--- a/figure.pptx
+++ b/figure.pptx
@@ -5,11 +5,12 @@
     <p:sldMasterId id="2147483648" r:id="rId1"/>
   </p:sldMasterIdLst>
   <p:notesMasterIdLst>
-    <p:notesMasterId r:id="rId4"/>
+    <p:notesMasterId r:id="rId5"/>
   </p:notesMasterIdLst>
   <p:sldIdLst>
     <p:sldId id="257" r:id="rId2"/>
     <p:sldId id="256" r:id="rId3"/>
+    <p:sldId id="258" r:id="rId4"/>
   </p:sldIdLst>
   <p:sldSz cx="12192000" cy="6858000"/>
   <p:notesSz cx="6858000" cy="9144000"/>
@@ -108,6 +109,11 @@
       </a:defRPr>
     </a:lvl9pPr>
   </p:defaultTextStyle>
+  <p:extLst>
+    <p:ext uri="{EFAFB233-063F-42B5-8137-9DF3F51BA10A}">
+      <p15:sldGuideLst xmlns:p15="http://schemas.microsoft.com/office/powerpoint/2012/main"/>
+    </p:ext>
+  </p:extLst>
 </p:presentation>
 </file>
 
@@ -6077,7 +6083,7 @@
         </p:blipFill>
         <p:spPr bwMode="auto">
           <a:xfrm>
-            <a:off x="856123" y="1740308"/>
+            <a:off x="878890" y="1903931"/>
             <a:ext cx="766817" cy="414081"/>
           </a:xfrm>
           <a:prstGeom prst="rect">
@@ -6095,74 +6101,6 @@
           </a:extLst>
         </p:spPr>
       </p:pic>
-      <p:cxnSp>
-        <p:nvCxnSpPr>
-          <p:cNvPr id="5" name="直接箭头连接符 4"/>
-          <p:cNvCxnSpPr/>
-          <p:nvPr/>
-        </p:nvCxnSpPr>
-        <p:spPr>
-          <a:xfrm>
-            <a:off x="1765498" y="2218746"/>
-            <a:ext cx="597982" cy="353893"/>
-          </a:xfrm>
-          <a:prstGeom prst="straightConnector1">
-            <a:avLst/>
-          </a:prstGeom>
-          <a:ln w="44450">
-            <a:headEnd type="none" w="med" len="med"/>
-            <a:tailEnd type="arrow" w="med" len="med"/>
-          </a:ln>
-        </p:spPr>
-        <p:style>
-          <a:lnRef idx="1">
-            <a:schemeClr val="dk1"/>
-          </a:lnRef>
-          <a:fillRef idx="0">
-            <a:schemeClr val="dk1"/>
-          </a:fillRef>
-          <a:effectRef idx="0">
-            <a:schemeClr val="dk1"/>
-          </a:effectRef>
-          <a:fontRef idx="minor">
-            <a:schemeClr val="tx1"/>
-          </a:fontRef>
-        </p:style>
-      </p:cxnSp>
-      <p:cxnSp>
-        <p:nvCxnSpPr>
-          <p:cNvPr id="7" name="直接箭头连接符 6"/>
-          <p:cNvCxnSpPr/>
-          <p:nvPr/>
-        </p:nvCxnSpPr>
-        <p:spPr>
-          <a:xfrm>
-            <a:off x="1762905" y="1916001"/>
-            <a:ext cx="606915" cy="12084"/>
-          </a:xfrm>
-          <a:prstGeom prst="straightConnector1">
-            <a:avLst/>
-          </a:prstGeom>
-          <a:ln w="44450">
-            <a:headEnd type="none" w="med" len="med"/>
-            <a:tailEnd type="arrow" w="med" len="med"/>
-          </a:ln>
-        </p:spPr>
-        <p:style>
-          <a:lnRef idx="1">
-            <a:schemeClr val="dk1"/>
-          </a:lnRef>
-          <a:fillRef idx="0">
-            <a:schemeClr val="dk1"/>
-          </a:fillRef>
-          <a:effectRef idx="0">
-            <a:schemeClr val="dk1"/>
-          </a:effectRef>
-          <a:fontRef idx="minor">
-            <a:schemeClr val="tx1"/>
-          </a:fontRef>
-        </p:style>
-      </p:cxnSp>
       <p:sp>
         <p:nvSpPr>
           <p:cNvPr id="8" name="文本框 7"/>
@@ -6171,7 +6109,7 @@
         </p:nvSpPr>
         <p:spPr>
           <a:xfrm>
-            <a:off x="965358" y="2234109"/>
+            <a:off x="988125" y="2397732"/>
             <a:ext cx="590226" cy="323165"/>
           </a:xfrm>
           <a:prstGeom prst="rect">
@@ -6201,7 +6139,7 @@
         </p:nvSpPr>
         <p:spPr>
           <a:xfrm>
-            <a:off x="253770" y="4839559"/>
+            <a:off x="217199" y="4723515"/>
             <a:ext cx="2066591" cy="323165"/>
           </a:xfrm>
           <a:prstGeom prst="rect">
@@ -6306,8 +6244,66 @@
         </p:nvSpPr>
         <p:spPr>
           <a:xfrm>
-            <a:off x="2473645" y="1648395"/>
+            <a:off x="2503156" y="2150551"/>
             <a:ext cx="1255485" cy="537107"/>
+          </a:xfrm>
+          <a:prstGeom prst="rect">
+            <a:avLst/>
+          </a:prstGeom>
+          <a:noFill/>
+          <a:ln w="19050">
+            <a:solidFill>
+              <a:schemeClr val="tx1"/>
+            </a:solidFill>
+          </a:ln>
+        </p:spPr>
+        <p:style>
+          <a:lnRef idx="2">
+            <a:schemeClr val="accent1">
+              <a:shade val="50000"/>
+            </a:schemeClr>
+          </a:lnRef>
+          <a:fillRef idx="1">
+            <a:schemeClr val="accent1"/>
+          </a:fillRef>
+          <a:effectRef idx="0">
+            <a:schemeClr val="accent1"/>
+          </a:effectRef>
+          <a:fontRef idx="minor">
+            <a:schemeClr val="lt1"/>
+          </a:fontRef>
+        </p:style>
+        <p:txBody>
+          <a:bodyPr rtlCol="0" anchor="ctr"/>
+          <a:lstStyle/>
+          <a:p>
+            <a:pPr algn="ctr"/>
+            <a:r>
+              <a:rPr lang="en-US" altLang="zh-CN" sz="1500" dirty="0" smtClean="0">
+                <a:solidFill>
+                  <a:schemeClr val="tx1"/>
+                </a:solidFill>
+              </a:rPr>
+              <a:t>Category</a:t>
+            </a:r>
+            <a:endParaRPr lang="zh-CN" altLang="en-US" sz="1500" dirty="0">
+              <a:solidFill>
+                <a:schemeClr val="tx1"/>
+              </a:solidFill>
+            </a:endParaRPr>
+          </a:p>
+        </p:txBody>
+      </p:sp>
+      <p:sp>
+        <p:nvSpPr>
+          <p:cNvPr id="15" name="矩形 14"/>
+          <p:cNvSpPr/>
+          <p:nvPr/>
+        </p:nvSpPr>
+        <p:spPr>
+          <a:xfrm>
+            <a:off x="10187050" y="1542989"/>
+            <a:ext cx="1255485" cy="558837"/>
           </a:xfrm>
           <a:prstGeom prst="rect">
             <a:avLst/>
@@ -6350,14 +6346,14 @@
       </p:sp>
       <p:sp>
         <p:nvSpPr>
-          <p:cNvPr id="14" name="矩形 13"/>
+          <p:cNvPr id="16" name="矩形 15"/>
           <p:cNvSpPr/>
           <p:nvPr/>
         </p:nvSpPr>
         <p:spPr>
           <a:xfrm>
-            <a:off x="2473644" y="2358651"/>
-            <a:ext cx="1255481" cy="525220"/>
+            <a:off x="10187050" y="2520800"/>
+            <a:ext cx="1255485" cy="537107"/>
           </a:xfrm>
           <a:prstGeom prst="rect">
             <a:avLst/>
@@ -6398,106 +6394,6 @@
           </a:p>
         </p:txBody>
       </p:sp>
-      <p:sp>
-        <p:nvSpPr>
-          <p:cNvPr id="15" name="矩形 14"/>
-          <p:cNvSpPr/>
-          <p:nvPr/>
-        </p:nvSpPr>
-        <p:spPr>
-          <a:xfrm>
-            <a:off x="10187050" y="1542989"/>
-            <a:ext cx="1255485" cy="558837"/>
-          </a:xfrm>
-          <a:prstGeom prst="rect">
-            <a:avLst/>
-          </a:prstGeom>
-          <a:noFill/>
-          <a:ln w="19050">
-            <a:solidFill>
-              <a:schemeClr val="tx1"/>
-            </a:solidFill>
-          </a:ln>
-        </p:spPr>
-        <p:style>
-          <a:lnRef idx="2">
-            <a:schemeClr val="accent1">
-              <a:shade val="50000"/>
-            </a:schemeClr>
-          </a:lnRef>
-          <a:fillRef idx="1">
-            <a:schemeClr val="accent1"/>
-          </a:fillRef>
-          <a:effectRef idx="0">
-            <a:schemeClr val="accent1"/>
-          </a:effectRef>
-          <a:fontRef idx="minor">
-            <a:schemeClr val="lt1"/>
-          </a:fontRef>
-        </p:style>
-        <p:txBody>
-          <a:bodyPr rtlCol="0" anchor="ctr"/>
-          <a:lstStyle/>
-          <a:p>
-            <a:pPr algn="ctr"/>
-            <a:endParaRPr lang="zh-CN" altLang="en-US" sz="1500" dirty="0">
-              <a:solidFill>
-                <a:schemeClr val="tx1"/>
-              </a:solidFill>
-            </a:endParaRPr>
-          </a:p>
-        </p:txBody>
-      </p:sp>
-      <p:sp>
-        <p:nvSpPr>
-          <p:cNvPr id="16" name="矩形 15"/>
-          <p:cNvSpPr/>
-          <p:nvPr/>
-        </p:nvSpPr>
-        <p:spPr>
-          <a:xfrm>
-            <a:off x="10187050" y="2520800"/>
-            <a:ext cx="1255485" cy="537107"/>
-          </a:xfrm>
-          <a:prstGeom prst="rect">
-            <a:avLst/>
-          </a:prstGeom>
-          <a:noFill/>
-          <a:ln w="19050">
-            <a:solidFill>
-              <a:schemeClr val="tx1"/>
-            </a:solidFill>
-          </a:ln>
-        </p:spPr>
-        <p:style>
-          <a:lnRef idx="2">
-            <a:schemeClr val="accent1">
-              <a:shade val="50000"/>
-            </a:schemeClr>
-          </a:lnRef>
-          <a:fillRef idx="1">
-            <a:schemeClr val="accent1"/>
-          </a:fillRef>
-          <a:effectRef idx="0">
-            <a:schemeClr val="accent1"/>
-          </a:effectRef>
-          <a:fontRef idx="minor">
-            <a:schemeClr val="lt1"/>
-          </a:fontRef>
-        </p:style>
-        <p:txBody>
-          <a:bodyPr rtlCol="0" anchor="ctr"/>
-          <a:lstStyle/>
-          <a:p>
-            <a:pPr algn="ctr"/>
-            <a:endParaRPr lang="zh-CN" altLang="en-US" sz="1500" dirty="0">
-              <a:solidFill>
-                <a:schemeClr val="tx1"/>
-              </a:solidFill>
-            </a:endParaRPr>
-          </a:p>
-        </p:txBody>
-      </p:sp>
       <p:cxnSp>
         <p:nvCxnSpPr>
           <p:cNvPr id="17" name="直接连接符 16"/>
@@ -6506,8 +6402,8 @@
         </p:nvCxnSpPr>
         <p:spPr>
           <a:xfrm flipH="1">
-            <a:off x="4019182" y="615338"/>
-            <a:ext cx="10535" cy="4245099"/>
+            <a:off x="4061484" y="657098"/>
+            <a:ext cx="12634" cy="5090553"/>
           </a:xfrm>
           <a:prstGeom prst="line">
             <a:avLst/>
@@ -6638,7 +6534,7 @@
         </p:nvSpPr>
         <p:spPr>
           <a:xfrm>
-            <a:off x="2473644" y="953034"/>
+            <a:off x="2503155" y="1455190"/>
             <a:ext cx="1255485" cy="537107"/>
           </a:xfrm>
           <a:prstGeom prst="rect">
@@ -6696,7 +6592,7 @@
         </p:nvCxnSpPr>
         <p:spPr>
           <a:xfrm>
-            <a:off x="3828697" y="1277165"/>
+            <a:off x="3858208" y="1779321"/>
             <a:ext cx="581393" cy="1866"/>
           </a:xfrm>
           <a:prstGeom prst="straightConnector1">
@@ -6729,7 +6625,7 @@
         </p:nvCxnSpPr>
         <p:spPr>
           <a:xfrm>
-            <a:off x="3828696" y="1934310"/>
+            <a:off x="3858207" y="2436466"/>
             <a:ext cx="581393" cy="1866"/>
           </a:xfrm>
           <a:prstGeom prst="straightConnector1">
@@ -6737,73 +6633,6 @@
           </a:prstGeom>
           <a:ln w="38100">
             <a:tailEnd type="triangle"/>
-          </a:ln>
-        </p:spPr>
-        <p:style>
-          <a:lnRef idx="1">
-            <a:schemeClr val="dk1"/>
-          </a:lnRef>
-          <a:fillRef idx="0">
-            <a:schemeClr val="dk1"/>
-          </a:fillRef>
-          <a:effectRef idx="0">
-            <a:schemeClr val="dk1"/>
-          </a:effectRef>
-          <a:fontRef idx="minor">
-            <a:schemeClr val="tx1"/>
-          </a:fontRef>
-        </p:style>
-      </p:cxnSp>
-      <p:cxnSp>
-        <p:nvCxnSpPr>
-          <p:cNvPr id="24" name="直接箭头连接符 23"/>
-          <p:cNvCxnSpPr/>
-          <p:nvPr/>
-        </p:nvCxnSpPr>
-        <p:spPr>
-          <a:xfrm>
-            <a:off x="3828695" y="2623873"/>
-            <a:ext cx="581393" cy="1866"/>
-          </a:xfrm>
-          <a:prstGeom prst="straightConnector1">
-            <a:avLst/>
-          </a:prstGeom>
-          <a:ln w="38100">
-            <a:tailEnd type="triangle"/>
-          </a:ln>
-        </p:spPr>
-        <p:style>
-          <a:lnRef idx="1">
-            <a:schemeClr val="dk1"/>
-          </a:lnRef>
-          <a:fillRef idx="0">
-            <a:schemeClr val="dk1"/>
-          </a:fillRef>
-          <a:effectRef idx="0">
-            <a:schemeClr val="dk1"/>
-          </a:effectRef>
-          <a:fontRef idx="minor">
-            <a:schemeClr val="tx1"/>
-          </a:fontRef>
-        </p:style>
-      </p:cxnSp>
-      <p:cxnSp>
-        <p:nvCxnSpPr>
-          <p:cNvPr id="25" name="直接箭头连接符 24"/>
-          <p:cNvCxnSpPr/>
-          <p:nvPr/>
-        </p:nvCxnSpPr>
-        <p:spPr>
-          <a:xfrm flipV="1">
-            <a:off x="1762905" y="1261688"/>
-            <a:ext cx="625931" cy="323944"/>
-          </a:xfrm>
-          <a:prstGeom prst="straightConnector1">
-            <a:avLst/>
-          </a:prstGeom>
-          <a:ln w="44450">
-            <a:headEnd type="none" w="med" len="med"/>
-            <a:tailEnd type="arrow" w="med" len="med"/>
           </a:ln>
         </p:spPr>
         <p:style>
@@ -6844,7 +6673,7 @@
         </p:blipFill>
         <p:spPr bwMode="auto">
           <a:xfrm>
-            <a:off x="835147" y="3247345"/>
+            <a:off x="798576" y="3131301"/>
             <a:ext cx="864510" cy="864510"/>
           </a:xfrm>
           <a:prstGeom prst="rect">
@@ -6885,7 +6714,7 @@
         </p:blipFill>
         <p:spPr bwMode="auto">
           <a:xfrm>
-            <a:off x="943303" y="4083537"/>
+            <a:off x="906732" y="3967493"/>
             <a:ext cx="687527" cy="687527"/>
           </a:xfrm>
           <a:prstGeom prst="rect">
@@ -7173,7 +7002,7 @@
         </p:nvCxnSpPr>
         <p:spPr>
           <a:xfrm>
-            <a:off x="1765496" y="4322731"/>
+            <a:off x="1728925" y="4206687"/>
             <a:ext cx="597982" cy="353893"/>
           </a:xfrm>
           <a:prstGeom prst="straightConnector1">
@@ -7207,7 +7036,7 @@
         </p:nvCxnSpPr>
         <p:spPr>
           <a:xfrm>
-            <a:off x="1762903" y="4019986"/>
+            <a:off x="1726332" y="3903942"/>
             <a:ext cx="606915" cy="12084"/>
           </a:xfrm>
           <a:prstGeom prst="straightConnector1">
@@ -7241,7 +7070,7 @@
         </p:nvSpPr>
         <p:spPr>
           <a:xfrm>
-            <a:off x="2473643" y="3752380"/>
+            <a:off x="2473641" y="3650178"/>
             <a:ext cx="1255485" cy="537107"/>
           </a:xfrm>
           <a:prstGeom prst="rect">
@@ -7281,7 +7110,7 @@
                   <a:schemeClr val="tx1"/>
                 </a:solidFill>
               </a:rPr>
-              <a:t>Authors</a:t>
+              <a:t>Author</a:t>
             </a:r>
             <a:endParaRPr lang="zh-CN" altLang="en-US" sz="1500" dirty="0">
               <a:solidFill>
@@ -7299,7 +7128,7 @@
         </p:nvSpPr>
         <p:spPr>
           <a:xfrm>
-            <a:off x="2473642" y="4462636"/>
+            <a:off x="2467575" y="4439788"/>
             <a:ext cx="1255485" cy="559708"/>
           </a:xfrm>
           <a:prstGeom prst="rect">
@@ -7357,7 +7186,7 @@
         </p:nvSpPr>
         <p:spPr>
           <a:xfrm>
-            <a:off x="2473642" y="3057019"/>
+            <a:off x="2495932" y="2837966"/>
             <a:ext cx="1255485" cy="537107"/>
           </a:xfrm>
           <a:prstGeom prst="rect">
@@ -7415,7 +7244,7 @@
         </p:nvCxnSpPr>
         <p:spPr>
           <a:xfrm>
-            <a:off x="3828695" y="3381150"/>
+            <a:off x="3828692" y="3097686"/>
             <a:ext cx="581393" cy="1866"/>
           </a:xfrm>
           <a:prstGeom prst="straightConnector1">
@@ -7448,7 +7277,7 @@
         </p:nvCxnSpPr>
         <p:spPr>
           <a:xfrm>
-            <a:off x="3828694" y="4038295"/>
+            <a:off x="3828692" y="3916865"/>
             <a:ext cx="581393" cy="1866"/>
           </a:xfrm>
           <a:prstGeom prst="straightConnector1">
@@ -7514,7 +7343,7 @@
         </p:nvCxnSpPr>
         <p:spPr>
           <a:xfrm flipV="1">
-            <a:off x="1762903" y="3365673"/>
+            <a:off x="1726332" y="3249629"/>
             <a:ext cx="625931" cy="323944"/>
           </a:xfrm>
           <a:prstGeom prst="straightConnector1">
@@ -7548,8 +7377,8 @@
         </p:nvSpPr>
         <p:spPr>
           <a:xfrm>
-            <a:off x="4483237" y="3053881"/>
-            <a:ext cx="1390724" cy="537107"/>
+            <a:off x="4472119" y="2789353"/>
+            <a:ext cx="1703091" cy="537107"/>
           </a:xfrm>
           <a:prstGeom prst="rect">
             <a:avLst/>
@@ -7588,7 +7417,7 @@
                   <a:schemeClr val="tx1"/>
                 </a:solidFill>
               </a:rPr>
-              <a:t>Citations</a:t>
+              <a:t>Citation count </a:t>
             </a:r>
             <a:endParaRPr lang="zh-CN" altLang="en-US" sz="1500" dirty="0">
               <a:solidFill>
@@ -7600,64 +7429,14 @@
       </p:sp>
       <p:sp>
         <p:nvSpPr>
-          <p:cNvPr id="56" name="矩形 55"/>
-          <p:cNvSpPr/>
-          <p:nvPr/>
-        </p:nvSpPr>
-        <p:spPr>
-          <a:xfrm>
-            <a:off x="4483237" y="3749628"/>
-            <a:ext cx="1390724" cy="537107"/>
-          </a:xfrm>
-          <a:prstGeom prst="rect">
-            <a:avLst/>
-          </a:prstGeom>
-          <a:noFill/>
-          <a:ln w="19050">
-            <a:solidFill>
-              <a:schemeClr val="tx1"/>
-            </a:solidFill>
-          </a:ln>
-        </p:spPr>
-        <p:style>
-          <a:lnRef idx="2">
-            <a:schemeClr val="accent1">
-              <a:shade val="50000"/>
-            </a:schemeClr>
-          </a:lnRef>
-          <a:fillRef idx="1">
-            <a:schemeClr val="accent1"/>
-          </a:fillRef>
-          <a:effectRef idx="0">
-            <a:schemeClr val="accent1"/>
-          </a:effectRef>
-          <a:fontRef idx="minor">
-            <a:schemeClr val="lt1"/>
-          </a:fontRef>
-        </p:style>
-        <p:txBody>
-          <a:bodyPr rtlCol="0" anchor="ctr"/>
-          <a:lstStyle/>
-          <a:p>
-            <a:pPr algn="ctr"/>
-            <a:endParaRPr lang="zh-CN" altLang="en-US" sz="1500" dirty="0">
-              <a:solidFill>
-                <a:schemeClr val="tx1"/>
-              </a:solidFill>
-            </a:endParaRPr>
-          </a:p>
-        </p:txBody>
-      </p:sp>
-      <p:sp>
-        <p:nvSpPr>
           <p:cNvPr id="57" name="矩形 56"/>
           <p:cNvSpPr/>
           <p:nvPr/>
         </p:nvSpPr>
         <p:spPr>
           <a:xfrm>
-            <a:off x="4478322" y="4462636"/>
-            <a:ext cx="1390724" cy="578937"/>
+            <a:off x="4469212" y="4462636"/>
+            <a:ext cx="1705998" cy="578937"/>
           </a:xfrm>
           <a:prstGeom prst="rect">
             <a:avLst/>
@@ -7812,8 +7591,8 @@
         </p:nvCxnSpPr>
         <p:spPr>
           <a:xfrm>
-            <a:off x="5970765" y="4800374"/>
-            <a:ext cx="718450" cy="4612"/>
+            <a:off x="6350013" y="4781650"/>
+            <a:ext cx="930226" cy="217846"/>
           </a:xfrm>
           <a:prstGeom prst="straightConnector1">
             <a:avLst/>
@@ -7860,7 +7639,7 @@
         </p:blipFill>
         <p:spPr bwMode="auto">
           <a:xfrm>
-            <a:off x="767632" y="5351234"/>
+            <a:off x="686505" y="5351234"/>
             <a:ext cx="1098040" cy="396417"/>
           </a:xfrm>
           <a:prstGeom prst="rect">
@@ -7886,7 +7665,7 @@
         </p:nvSpPr>
         <p:spPr>
           <a:xfrm>
-            <a:off x="296887" y="5747651"/>
+            <a:off x="215760" y="5747651"/>
             <a:ext cx="2103461" cy="323165"/>
           </a:xfrm>
           <a:prstGeom prst="rect">
@@ -7916,8 +7695,8 @@
         </p:nvCxnSpPr>
         <p:spPr>
           <a:xfrm>
-            <a:off x="1888370" y="5526529"/>
-            <a:ext cx="496006" cy="0"/>
+            <a:off x="1829111" y="5514963"/>
+            <a:ext cx="537310" cy="0"/>
           </a:xfrm>
           <a:prstGeom prst="straightConnector1">
             <a:avLst/>
@@ -8041,8 +7820,8 @@
         </p:nvSpPr>
         <p:spPr>
           <a:xfrm>
-            <a:off x="4497795" y="5244087"/>
-            <a:ext cx="1390724" cy="537107"/>
+            <a:off x="4469211" y="5244087"/>
+            <a:ext cx="1705999" cy="537107"/>
           </a:xfrm>
           <a:prstGeom prst="rect">
             <a:avLst/>
@@ -8099,7 +7878,7 @@
         </p:nvSpPr>
         <p:spPr>
           <a:xfrm>
-            <a:off x="5707783" y="4922037"/>
+            <a:off x="6087031" y="4903313"/>
             <a:ext cx="525964" cy="489167"/>
           </a:xfrm>
           <a:prstGeom prst="arc">
@@ -8140,10 +7919,3242 @@
           </a:p>
         </p:txBody>
       </p:sp>
+      <p:cxnSp>
+        <p:nvCxnSpPr>
+          <p:cNvPr id="61" name="直接箭头连接符 60"/>
+          <p:cNvCxnSpPr/>
+          <p:nvPr/>
+        </p:nvCxnSpPr>
+        <p:spPr>
+          <a:xfrm flipV="1">
+            <a:off x="6350013" y="5261722"/>
+            <a:ext cx="930226" cy="253241"/>
+          </a:xfrm>
+          <a:prstGeom prst="straightConnector1">
+            <a:avLst/>
+          </a:prstGeom>
+          <a:ln w="38100">
+            <a:tailEnd type="triangle"/>
+          </a:ln>
+        </p:spPr>
+        <p:style>
+          <a:lnRef idx="1">
+            <a:schemeClr val="dk1"/>
+          </a:lnRef>
+          <a:fillRef idx="0">
+            <a:schemeClr val="dk1"/>
+          </a:fillRef>
+          <a:effectRef idx="0">
+            <a:schemeClr val="dk1"/>
+          </a:effectRef>
+          <a:fontRef idx="minor">
+            <a:schemeClr val="tx1"/>
+          </a:fontRef>
+        </p:style>
+      </p:cxnSp>
+      <p:sp>
+        <p:nvSpPr>
+          <p:cNvPr id="68" name="矩形 67"/>
+          <p:cNvSpPr/>
+          <p:nvPr/>
+        </p:nvSpPr>
+        <p:spPr>
+          <a:xfrm>
+            <a:off x="7398591" y="4814797"/>
+            <a:ext cx="1390724" cy="578937"/>
+          </a:xfrm>
+          <a:prstGeom prst="rect">
+            <a:avLst/>
+          </a:prstGeom>
+          <a:noFill/>
+          <a:ln w="19050">
+            <a:solidFill>
+              <a:schemeClr val="tx1"/>
+            </a:solidFill>
+          </a:ln>
+        </p:spPr>
+        <p:style>
+          <a:lnRef idx="2">
+            <a:schemeClr val="accent1">
+              <a:shade val="50000"/>
+            </a:schemeClr>
+          </a:lnRef>
+          <a:fillRef idx="1">
+            <a:schemeClr val="accent1"/>
+          </a:fillRef>
+          <a:effectRef idx="0">
+            <a:schemeClr val="accent1"/>
+          </a:effectRef>
+          <a:fontRef idx="minor">
+            <a:schemeClr val="lt1"/>
+          </a:fontRef>
+        </p:style>
+        <p:txBody>
+          <a:bodyPr rtlCol="0" anchor="ctr"/>
+          <a:lstStyle/>
+          <a:p>
+            <a:pPr algn="ctr"/>
+            <a:r>
+              <a:rPr lang="en-US" altLang="zh-CN" sz="1500" dirty="0" smtClean="0">
+                <a:solidFill>
+                  <a:schemeClr val="tx1"/>
+                </a:solidFill>
+              </a:rPr>
+              <a:t>Venue </a:t>
+            </a:r>
+            <a:r>
+              <a:rPr lang="en-US" altLang="zh-CN" sz="1500" dirty="0" smtClean="0">
+                <a:solidFill>
+                  <a:schemeClr val="tx1"/>
+                </a:solidFill>
+              </a:rPr>
+              <a:t>Score</a:t>
+            </a:r>
+            <a:endParaRPr lang="zh-CN" altLang="en-US" sz="1500" dirty="0">
+              <a:solidFill>
+                <a:schemeClr val="tx1"/>
+              </a:solidFill>
+            </a:endParaRPr>
+          </a:p>
+        </p:txBody>
+      </p:sp>
+      <p:sp>
+        <p:nvSpPr>
+          <p:cNvPr id="70" name="矩形 69"/>
+          <p:cNvSpPr/>
+          <p:nvPr/>
+        </p:nvSpPr>
+        <p:spPr>
+          <a:xfrm>
+            <a:off x="7398591" y="3554335"/>
+            <a:ext cx="1390724" cy="578937"/>
+          </a:xfrm>
+          <a:prstGeom prst="rect">
+            <a:avLst/>
+          </a:prstGeom>
+          <a:noFill/>
+          <a:ln w="19050">
+            <a:solidFill>
+              <a:schemeClr val="tx1"/>
+            </a:solidFill>
+          </a:ln>
+        </p:spPr>
+        <p:style>
+          <a:lnRef idx="2">
+            <a:schemeClr val="accent1">
+              <a:shade val="50000"/>
+            </a:schemeClr>
+          </a:lnRef>
+          <a:fillRef idx="1">
+            <a:schemeClr val="accent1"/>
+          </a:fillRef>
+          <a:effectRef idx="0">
+            <a:schemeClr val="accent1"/>
+          </a:effectRef>
+          <a:fontRef idx="minor">
+            <a:schemeClr val="lt1"/>
+          </a:fontRef>
+        </p:style>
+        <p:txBody>
+          <a:bodyPr rtlCol="0" anchor="ctr"/>
+          <a:lstStyle/>
+          <a:p>
+            <a:pPr algn="ctr"/>
+            <a:r>
+              <a:rPr lang="en-US" altLang="zh-CN" sz="1500" dirty="0" smtClean="0">
+                <a:solidFill>
+                  <a:schemeClr val="tx1"/>
+                </a:solidFill>
+              </a:rPr>
+              <a:t>Author Score</a:t>
+            </a:r>
+            <a:endParaRPr lang="zh-CN" altLang="en-US" sz="1500" dirty="0">
+              <a:solidFill>
+                <a:schemeClr val="tx1"/>
+              </a:solidFill>
+            </a:endParaRPr>
+          </a:p>
+        </p:txBody>
+      </p:sp>
+      <p:sp>
+        <p:nvSpPr>
+          <p:cNvPr id="71" name="矩形 70"/>
+          <p:cNvSpPr/>
+          <p:nvPr/>
+        </p:nvSpPr>
+        <p:spPr>
+          <a:xfrm>
+            <a:off x="7401613" y="2141960"/>
+            <a:ext cx="1390724" cy="578937"/>
+          </a:xfrm>
+          <a:prstGeom prst="rect">
+            <a:avLst/>
+          </a:prstGeom>
+          <a:noFill/>
+          <a:ln w="19050">
+            <a:solidFill>
+              <a:schemeClr val="tx1"/>
+            </a:solidFill>
+          </a:ln>
+        </p:spPr>
+        <p:style>
+          <a:lnRef idx="2">
+            <a:schemeClr val="accent1">
+              <a:shade val="50000"/>
+            </a:schemeClr>
+          </a:lnRef>
+          <a:fillRef idx="1">
+            <a:schemeClr val="accent1"/>
+          </a:fillRef>
+          <a:effectRef idx="0">
+            <a:schemeClr val="accent1"/>
+          </a:effectRef>
+          <a:fontRef idx="minor">
+            <a:schemeClr val="lt1"/>
+          </a:fontRef>
+        </p:style>
+        <p:txBody>
+          <a:bodyPr rtlCol="0" anchor="ctr"/>
+          <a:lstStyle/>
+          <a:p>
+            <a:pPr algn="ctr"/>
+            <a:r>
+              <a:rPr lang="en-US" altLang="zh-CN" sz="1500" dirty="0" smtClean="0">
+                <a:solidFill>
+                  <a:schemeClr val="tx1"/>
+                </a:solidFill>
+              </a:rPr>
+              <a:t>Paper Score</a:t>
+            </a:r>
+            <a:endParaRPr lang="zh-CN" altLang="en-US" sz="1500" dirty="0">
+              <a:solidFill>
+                <a:schemeClr val="tx1"/>
+              </a:solidFill>
+            </a:endParaRPr>
+          </a:p>
+        </p:txBody>
+      </p:sp>
+      <p:sp>
+        <p:nvSpPr>
+          <p:cNvPr id="72" name="矩形 71"/>
+          <p:cNvSpPr/>
+          <p:nvPr/>
+        </p:nvSpPr>
+        <p:spPr>
+          <a:xfrm>
+            <a:off x="4469211" y="3438583"/>
+            <a:ext cx="1705999" cy="930719"/>
+          </a:xfrm>
+          <a:prstGeom prst="rect">
+            <a:avLst/>
+          </a:prstGeom>
+          <a:noFill/>
+          <a:ln w="19050">
+            <a:solidFill>
+              <a:schemeClr val="tx1"/>
+            </a:solidFill>
+          </a:ln>
+        </p:spPr>
+        <p:style>
+          <a:lnRef idx="2">
+            <a:schemeClr val="accent1">
+              <a:shade val="50000"/>
+            </a:schemeClr>
+          </a:lnRef>
+          <a:fillRef idx="1">
+            <a:schemeClr val="accent1"/>
+          </a:fillRef>
+          <a:effectRef idx="0">
+            <a:schemeClr val="accent1"/>
+          </a:effectRef>
+          <a:fontRef idx="minor">
+            <a:schemeClr val="lt1"/>
+          </a:fontRef>
+        </p:style>
+        <p:txBody>
+          <a:bodyPr rtlCol="0" anchor="ctr"/>
+          <a:lstStyle/>
+          <a:p>
+            <a:pPr algn="ctr"/>
+            <a:r>
+              <a:rPr lang="en-US" altLang="zh-CN" sz="1500" dirty="0" smtClean="0">
+                <a:solidFill>
+                  <a:schemeClr val="tx1"/>
+                </a:solidFill>
+              </a:rPr>
+              <a:t>Affiliation, </a:t>
+            </a:r>
+          </a:p>
+          <a:p>
+            <a:pPr algn="ctr"/>
+            <a:r>
+              <a:rPr lang="en-US" altLang="zh-CN" sz="1500" dirty="0" smtClean="0">
+                <a:solidFill>
+                  <a:schemeClr val="tx1"/>
+                </a:solidFill>
+              </a:rPr>
+              <a:t>Position, h-index, </a:t>
+            </a:r>
+          </a:p>
+          <a:p>
+            <a:pPr algn="ctr"/>
+            <a:r>
+              <a:rPr lang="en-US" altLang="zh-CN" sz="1500" dirty="0" smtClean="0">
+                <a:solidFill>
+                  <a:schemeClr val="tx1"/>
+                </a:solidFill>
+              </a:rPr>
+              <a:t>publication count,</a:t>
+            </a:r>
+          </a:p>
+          <a:p>
+            <a:pPr algn="ctr"/>
+            <a:r>
+              <a:rPr lang="en-US" altLang="zh-CN" sz="1500" dirty="0">
+                <a:solidFill>
+                  <a:schemeClr val="tx1"/>
+                </a:solidFill>
+              </a:rPr>
+              <a:t>Citation count</a:t>
+            </a:r>
+            <a:r>
+              <a:rPr lang="en-US" altLang="zh-CN" sz="1500" dirty="0" smtClean="0">
+                <a:solidFill>
+                  <a:schemeClr val="tx1"/>
+                </a:solidFill>
+              </a:rPr>
+              <a:t>,</a:t>
+            </a:r>
+            <a:r>
+              <a:rPr lang="en-US" altLang="zh-CN" sz="1500" dirty="0" smtClean="0">
+                <a:solidFill>
+                  <a:schemeClr val="tx1"/>
+                </a:solidFill>
+              </a:rPr>
+              <a:t> </a:t>
+            </a:r>
+            <a:endParaRPr lang="zh-CN" altLang="en-US" sz="1500" dirty="0">
+              <a:solidFill>
+                <a:schemeClr val="tx1"/>
+              </a:solidFill>
+            </a:endParaRPr>
+          </a:p>
+        </p:txBody>
+      </p:sp>
+      <p:sp>
+        <p:nvSpPr>
+          <p:cNvPr id="73" name="文本框 72"/>
+          <p:cNvSpPr txBox="1"/>
+          <p:nvPr/>
+        </p:nvSpPr>
+        <p:spPr>
+          <a:xfrm>
+            <a:off x="4235421" y="244585"/>
+            <a:ext cx="2377574" cy="369332"/>
+          </a:xfrm>
+          <a:prstGeom prst="rect">
+            <a:avLst/>
+          </a:prstGeom>
+          <a:noFill/>
+        </p:spPr>
+        <p:txBody>
+          <a:bodyPr wrap="none" rtlCol="0">
+            <a:spAutoFit/>
+          </a:bodyPr>
+          <a:lstStyle/>
+          <a:p>
+            <a:r>
+              <a:rPr lang="en-US" altLang="zh-CN" dirty="0"/>
+              <a:t>Information Extraction</a:t>
+            </a:r>
+            <a:endParaRPr lang="zh-CN" altLang="en-US" dirty="0"/>
+          </a:p>
+        </p:txBody>
+      </p:sp>
+      <p:sp>
+        <p:nvSpPr>
+          <p:cNvPr id="74" name="文本框 73"/>
+          <p:cNvSpPr txBox="1"/>
+          <p:nvPr/>
+        </p:nvSpPr>
+        <p:spPr>
+          <a:xfrm>
+            <a:off x="7148020" y="253196"/>
+            <a:ext cx="1891865" cy="369332"/>
+          </a:xfrm>
+          <a:prstGeom prst="rect">
+            <a:avLst/>
+          </a:prstGeom>
+          <a:noFill/>
+        </p:spPr>
+        <p:txBody>
+          <a:bodyPr wrap="none" rtlCol="0">
+            <a:spAutoFit/>
+          </a:bodyPr>
+          <a:lstStyle/>
+          <a:p>
+            <a:r>
+              <a:rPr lang="en-US" altLang="zh-CN" dirty="0" smtClean="0"/>
+              <a:t>Score Calculation</a:t>
+            </a:r>
+            <a:endParaRPr lang="zh-CN" altLang="en-US" dirty="0"/>
+          </a:p>
+        </p:txBody>
+      </p:sp>
+      <p:sp>
+        <p:nvSpPr>
+          <p:cNvPr id="75" name="文本框 74"/>
+          <p:cNvSpPr txBox="1"/>
+          <p:nvPr/>
+        </p:nvSpPr>
+        <p:spPr>
+          <a:xfrm>
+            <a:off x="10317546" y="268826"/>
+            <a:ext cx="1939955" cy="369332"/>
+          </a:xfrm>
+          <a:prstGeom prst="rect">
+            <a:avLst/>
+          </a:prstGeom>
+          <a:noFill/>
+        </p:spPr>
+        <p:txBody>
+          <a:bodyPr wrap="none" rtlCol="0">
+            <a:spAutoFit/>
+          </a:bodyPr>
+          <a:lstStyle/>
+          <a:p>
+            <a:r>
+              <a:rPr lang="en-US" altLang="zh-CN" dirty="0"/>
+              <a:t>Recommendation</a:t>
+            </a:r>
+            <a:endParaRPr lang="zh-CN" altLang="en-US" dirty="0"/>
+          </a:p>
+        </p:txBody>
+      </p:sp>
+      <p:sp>
+        <p:nvSpPr>
+          <p:cNvPr id="76" name="矩形 75"/>
+          <p:cNvSpPr/>
+          <p:nvPr/>
+        </p:nvSpPr>
+        <p:spPr>
+          <a:xfrm>
+            <a:off x="4469211" y="1455190"/>
+            <a:ext cx="1703091" cy="537107"/>
+          </a:xfrm>
+          <a:prstGeom prst="rect">
+            <a:avLst/>
+          </a:prstGeom>
+          <a:noFill/>
+          <a:ln w="19050">
+            <a:solidFill>
+              <a:schemeClr val="tx1"/>
+            </a:solidFill>
+          </a:ln>
+        </p:spPr>
+        <p:style>
+          <a:lnRef idx="2">
+            <a:schemeClr val="accent1">
+              <a:shade val="50000"/>
+            </a:schemeClr>
+          </a:lnRef>
+          <a:fillRef idx="1">
+            <a:schemeClr val="accent1"/>
+          </a:fillRef>
+          <a:effectRef idx="0">
+            <a:schemeClr val="accent1"/>
+          </a:effectRef>
+          <a:fontRef idx="minor">
+            <a:schemeClr val="lt1"/>
+          </a:fontRef>
+        </p:style>
+        <p:txBody>
+          <a:bodyPr rtlCol="0" anchor="ctr"/>
+          <a:lstStyle/>
+          <a:p>
+            <a:pPr algn="ctr"/>
+            <a:r>
+              <a:rPr lang="en-US" altLang="zh-CN" sz="1500" dirty="0" smtClean="0">
+                <a:solidFill>
+                  <a:schemeClr val="tx1"/>
+                </a:solidFill>
+              </a:rPr>
+              <a:t>Title, Author, Year</a:t>
+            </a:r>
+            <a:endParaRPr lang="zh-CN" altLang="en-US" sz="1500" dirty="0">
+              <a:solidFill>
+                <a:schemeClr val="tx1"/>
+              </a:solidFill>
+            </a:endParaRPr>
+          </a:p>
+        </p:txBody>
+      </p:sp>
+      <p:cxnSp>
+        <p:nvCxnSpPr>
+          <p:cNvPr id="82" name="直接箭头连接符 81"/>
+          <p:cNvCxnSpPr/>
+          <p:nvPr/>
+        </p:nvCxnSpPr>
+        <p:spPr>
+          <a:xfrm>
+            <a:off x="6302300" y="3906832"/>
+            <a:ext cx="1005526" cy="9194"/>
+          </a:xfrm>
+          <a:prstGeom prst="straightConnector1">
+            <a:avLst/>
+          </a:prstGeom>
+          <a:ln w="38100">
+            <a:tailEnd type="triangle"/>
+          </a:ln>
+        </p:spPr>
+        <p:style>
+          <a:lnRef idx="1">
+            <a:schemeClr val="dk1"/>
+          </a:lnRef>
+          <a:fillRef idx="0">
+            <a:schemeClr val="dk1"/>
+          </a:fillRef>
+          <a:effectRef idx="0">
+            <a:schemeClr val="dk1"/>
+          </a:effectRef>
+          <a:fontRef idx="minor">
+            <a:schemeClr val="tx1"/>
+          </a:fontRef>
+        </p:style>
+      </p:cxnSp>
+      <p:cxnSp>
+        <p:nvCxnSpPr>
+          <p:cNvPr id="88" name="直接箭头连接符 87"/>
+          <p:cNvCxnSpPr/>
+          <p:nvPr/>
+        </p:nvCxnSpPr>
+        <p:spPr>
+          <a:xfrm>
+            <a:off x="1784545" y="2275282"/>
+            <a:ext cx="643043" cy="166858"/>
+          </a:xfrm>
+          <a:prstGeom prst="straightConnector1">
+            <a:avLst/>
+          </a:prstGeom>
+          <a:ln w="44450">
+            <a:solidFill>
+              <a:schemeClr val="dk1"/>
+            </a:solidFill>
+            <a:headEnd type="none" w="med" len="med"/>
+            <a:tailEnd type="arrow" w="med" len="med"/>
+          </a:ln>
+        </p:spPr>
+        <p:style>
+          <a:lnRef idx="1">
+            <a:schemeClr val="dk1"/>
+          </a:lnRef>
+          <a:fillRef idx="0">
+            <a:schemeClr val="dk1"/>
+          </a:fillRef>
+          <a:effectRef idx="0">
+            <a:schemeClr val="dk1"/>
+          </a:effectRef>
+          <a:fontRef idx="minor">
+            <a:schemeClr val="tx1"/>
+          </a:fontRef>
+        </p:style>
+      </p:cxnSp>
+      <p:cxnSp>
+        <p:nvCxnSpPr>
+          <p:cNvPr id="89" name="直接箭头连接符 88"/>
+          <p:cNvCxnSpPr/>
+          <p:nvPr/>
+        </p:nvCxnSpPr>
+        <p:spPr>
+          <a:xfrm flipV="1">
+            <a:off x="1804016" y="1790765"/>
+            <a:ext cx="600575" cy="217912"/>
+          </a:xfrm>
+          <a:prstGeom prst="straightConnector1">
+            <a:avLst/>
+          </a:prstGeom>
+          <a:ln w="44450">
+            <a:headEnd type="none" w="med" len="med"/>
+            <a:tailEnd type="arrow" w="med" len="med"/>
+          </a:ln>
+        </p:spPr>
+        <p:style>
+          <a:lnRef idx="1">
+            <a:schemeClr val="dk1"/>
+          </a:lnRef>
+          <a:fillRef idx="0">
+            <a:schemeClr val="dk1"/>
+          </a:fillRef>
+          <a:effectRef idx="0">
+            <a:schemeClr val="dk1"/>
+          </a:effectRef>
+          <a:fontRef idx="minor">
+            <a:schemeClr val="tx1"/>
+          </a:fontRef>
+        </p:style>
+      </p:cxnSp>
+      <p:sp>
+        <p:nvSpPr>
+          <p:cNvPr id="90" name="矩形 89"/>
+          <p:cNvSpPr/>
+          <p:nvPr/>
+        </p:nvSpPr>
+        <p:spPr>
+          <a:xfrm>
+            <a:off x="4469211" y="2145239"/>
+            <a:ext cx="1703091" cy="537107"/>
+          </a:xfrm>
+          <a:prstGeom prst="rect">
+            <a:avLst/>
+          </a:prstGeom>
+          <a:noFill/>
+          <a:ln w="19050">
+            <a:solidFill>
+              <a:schemeClr val="tx1"/>
+            </a:solidFill>
+          </a:ln>
+        </p:spPr>
+        <p:style>
+          <a:lnRef idx="2">
+            <a:schemeClr val="accent1">
+              <a:shade val="50000"/>
+            </a:schemeClr>
+          </a:lnRef>
+          <a:fillRef idx="1">
+            <a:schemeClr val="accent1"/>
+          </a:fillRef>
+          <a:effectRef idx="0">
+            <a:schemeClr val="accent1"/>
+          </a:effectRef>
+          <a:fontRef idx="minor">
+            <a:schemeClr val="lt1"/>
+          </a:fontRef>
+        </p:style>
+        <p:txBody>
+          <a:bodyPr rtlCol="0" anchor="ctr"/>
+          <a:lstStyle/>
+          <a:p>
+            <a:pPr algn="ctr"/>
+            <a:r>
+              <a:rPr lang="en-US" altLang="zh-CN" sz="1500" dirty="0" smtClean="0">
+                <a:solidFill>
+                  <a:schemeClr val="tx1"/>
+                </a:solidFill>
+              </a:rPr>
+              <a:t>Category </a:t>
+            </a:r>
+            <a:r>
+              <a:rPr lang="en-US" altLang="zh-CN" sz="1500" dirty="0" err="1" smtClean="0">
+                <a:solidFill>
+                  <a:schemeClr val="tx1"/>
+                </a:solidFill>
+              </a:rPr>
+              <a:t>Infomation</a:t>
+            </a:r>
+            <a:endParaRPr lang="zh-CN" altLang="en-US" sz="1500" dirty="0">
+              <a:solidFill>
+                <a:schemeClr val="tx1"/>
+              </a:solidFill>
+            </a:endParaRPr>
+          </a:p>
+        </p:txBody>
+      </p:sp>
+      <p:cxnSp>
+        <p:nvCxnSpPr>
+          <p:cNvPr id="96" name="直接连接符 95"/>
+          <p:cNvCxnSpPr/>
+          <p:nvPr/>
+        </p:nvCxnSpPr>
+        <p:spPr>
+          <a:xfrm flipH="1">
+            <a:off x="6867985" y="660251"/>
+            <a:ext cx="12634" cy="5090553"/>
+          </a:xfrm>
+          <a:prstGeom prst="line">
+            <a:avLst/>
+          </a:prstGeom>
+          <a:ln w="25400">
+            <a:solidFill>
+              <a:schemeClr val="tx1"/>
+            </a:solidFill>
+            <a:prstDash val="sysDot"/>
+          </a:ln>
+        </p:spPr>
+        <p:style>
+          <a:lnRef idx="1">
+            <a:schemeClr val="accent1"/>
+          </a:lnRef>
+          <a:fillRef idx="0">
+            <a:schemeClr val="accent1"/>
+          </a:fillRef>
+          <a:effectRef idx="0">
+            <a:schemeClr val="accent1"/>
+          </a:effectRef>
+          <a:fontRef idx="minor">
+            <a:schemeClr val="tx1"/>
+          </a:fontRef>
+        </p:style>
+      </p:cxnSp>
+      <p:cxnSp>
+        <p:nvCxnSpPr>
+          <p:cNvPr id="104" name="直接箭头连接符 103"/>
+          <p:cNvCxnSpPr/>
+          <p:nvPr/>
+        </p:nvCxnSpPr>
+        <p:spPr>
+          <a:xfrm>
+            <a:off x="6302300" y="2429138"/>
+            <a:ext cx="1005526" cy="9194"/>
+          </a:xfrm>
+          <a:prstGeom prst="straightConnector1">
+            <a:avLst/>
+          </a:prstGeom>
+          <a:ln w="38100">
+            <a:tailEnd type="triangle"/>
+          </a:ln>
+        </p:spPr>
+        <p:style>
+          <a:lnRef idx="1">
+            <a:schemeClr val="dk1"/>
+          </a:lnRef>
+          <a:fillRef idx="0">
+            <a:schemeClr val="dk1"/>
+          </a:fillRef>
+          <a:effectRef idx="0">
+            <a:schemeClr val="dk1"/>
+          </a:effectRef>
+          <a:fontRef idx="minor">
+            <a:schemeClr val="tx1"/>
+          </a:fontRef>
+        </p:style>
+      </p:cxnSp>
+      <p:cxnSp>
+        <p:nvCxnSpPr>
+          <p:cNvPr id="105" name="直接箭头连接符 104"/>
+          <p:cNvCxnSpPr/>
+          <p:nvPr/>
+        </p:nvCxnSpPr>
+        <p:spPr>
+          <a:xfrm>
+            <a:off x="6302300" y="1729951"/>
+            <a:ext cx="977939" cy="469430"/>
+          </a:xfrm>
+          <a:prstGeom prst="straightConnector1">
+            <a:avLst/>
+          </a:prstGeom>
+          <a:ln w="38100">
+            <a:tailEnd type="triangle"/>
+          </a:ln>
+        </p:spPr>
+        <p:style>
+          <a:lnRef idx="1">
+            <a:schemeClr val="dk1"/>
+          </a:lnRef>
+          <a:fillRef idx="0">
+            <a:schemeClr val="dk1"/>
+          </a:fillRef>
+          <a:effectRef idx="0">
+            <a:schemeClr val="dk1"/>
+          </a:effectRef>
+          <a:fontRef idx="minor">
+            <a:schemeClr val="tx1"/>
+          </a:fontRef>
+        </p:style>
+      </p:cxnSp>
+      <p:cxnSp>
+        <p:nvCxnSpPr>
+          <p:cNvPr id="107" name="直接箭头连接符 106"/>
+          <p:cNvCxnSpPr/>
+          <p:nvPr/>
+        </p:nvCxnSpPr>
+        <p:spPr>
+          <a:xfrm flipV="1">
+            <a:off x="6302300" y="2640058"/>
+            <a:ext cx="977939" cy="429646"/>
+          </a:xfrm>
+          <a:prstGeom prst="straightConnector1">
+            <a:avLst/>
+          </a:prstGeom>
+          <a:ln w="38100">
+            <a:tailEnd type="triangle"/>
+          </a:ln>
+        </p:spPr>
+        <p:style>
+          <a:lnRef idx="1">
+            <a:schemeClr val="dk1"/>
+          </a:lnRef>
+          <a:fillRef idx="0">
+            <a:schemeClr val="dk1"/>
+          </a:fillRef>
+          <a:effectRef idx="0">
+            <a:schemeClr val="dk1"/>
+          </a:effectRef>
+          <a:fontRef idx="minor">
+            <a:schemeClr val="tx1"/>
+          </a:fontRef>
+        </p:style>
+      </p:cxnSp>
     </p:spTree>
     <p:extLst>
       <p:ext uri="{BB962C8B-B14F-4D97-AF65-F5344CB8AC3E}">
         <p14:creationId xmlns:p14="http://schemas.microsoft.com/office/powerpoint/2010/main" val="2191669133"/>
+      </p:ext>
+    </p:extLst>
+  </p:cSld>
+  <p:clrMapOvr>
+    <a:masterClrMapping/>
+  </p:clrMapOvr>
+  <p:timing>
+    <p:tnLst>
+      <p:par>
+        <p:cTn id="1" dur="indefinite" restart="never" nodeType="tmRoot"/>
+      </p:par>
+    </p:tnLst>
+  </p:timing>
+</p:sld>
+</file>
+
+<file path=ppt/slides/slide3.xml><?xml version="1.0" encoding="utf-8"?>
+<p:sld xmlns:a="http://schemas.openxmlformats.org/drawingml/2006/main" xmlns:r="http://schemas.openxmlformats.org/officeDocument/2006/relationships" xmlns:p="http://schemas.openxmlformats.org/presentationml/2006/main">
+  <p:cSld>
+    <p:spTree>
+      <p:nvGrpSpPr>
+        <p:cNvPr id="1" name=""/>
+        <p:cNvGrpSpPr/>
+        <p:nvPr/>
+      </p:nvGrpSpPr>
+      <p:grpSpPr>
+        <a:xfrm>
+          <a:off x="0" y="0"/>
+          <a:ext cx="0" cy="0"/>
+          <a:chOff x="0" y="0"/>
+          <a:chExt cx="0" cy="0"/>
+        </a:xfrm>
+      </p:grpSpPr>
+      <p:pic>
+        <p:nvPicPr>
+          <p:cNvPr id="1026" name="Picture 2" descr="âarxiv logoâçå¾çæç´¢ç»æ"/>
+          <p:cNvPicPr>
+            <a:picLocks noChangeAspect="1" noChangeArrowheads="1"/>
+          </p:cNvPicPr>
+          <p:nvPr/>
+        </p:nvPicPr>
+        <p:blipFill>
+          <a:blip r:embed="rId2" cstate="print">
+            <a:extLst>
+              <a:ext uri="{28A0092B-C50C-407E-A947-70E740481C1C}">
+                <a14:useLocalDpi xmlns:a14="http://schemas.microsoft.com/office/drawing/2010/main" val="0"/>
+              </a:ext>
+            </a:extLst>
+          </a:blip>
+          <a:srcRect/>
+          <a:stretch>
+            <a:fillRect/>
+          </a:stretch>
+        </p:blipFill>
+        <p:spPr bwMode="auto">
+          <a:xfrm>
+            <a:off x="878890" y="1903931"/>
+            <a:ext cx="766817" cy="414081"/>
+          </a:xfrm>
+          <a:prstGeom prst="rect">
+            <a:avLst/>
+          </a:prstGeom>
+          <a:noFill/>
+          <a:extLst>
+            <a:ext uri="{909E8E84-426E-40DD-AFC4-6F175D3DCCD1}">
+              <a14:hiddenFill xmlns:a14="http://schemas.microsoft.com/office/drawing/2010/main">
+                <a:solidFill>
+                  <a:srgbClr val="FFFFFF"/>
+                </a:solidFill>
+              </a14:hiddenFill>
+            </a:ext>
+          </a:extLst>
+        </p:spPr>
+      </p:pic>
+      <p:sp>
+        <p:nvSpPr>
+          <p:cNvPr id="8" name="文本框 7"/>
+          <p:cNvSpPr txBox="1"/>
+          <p:nvPr/>
+        </p:nvSpPr>
+        <p:spPr>
+          <a:xfrm>
+            <a:off x="988125" y="2397732"/>
+            <a:ext cx="590226" cy="323165"/>
+          </a:xfrm>
+          <a:prstGeom prst="rect">
+            <a:avLst/>
+          </a:prstGeom>
+          <a:noFill/>
+        </p:spPr>
+        <p:txBody>
+          <a:bodyPr wrap="none" rtlCol="0">
+            <a:spAutoFit/>
+          </a:bodyPr>
+          <a:lstStyle/>
+          <a:p>
+            <a:r>
+              <a:rPr lang="en-US" altLang="zh-CN" sz="1500" dirty="0" err="1" smtClean="0"/>
+              <a:t>arXiv</a:t>
+            </a:r>
+            <a:endParaRPr lang="zh-CN" altLang="en-US" sz="1500" dirty="0"/>
+          </a:p>
+        </p:txBody>
+      </p:sp>
+      <p:sp>
+        <p:nvSpPr>
+          <p:cNvPr id="9" name="文本框 8"/>
+          <p:cNvSpPr txBox="1"/>
+          <p:nvPr/>
+        </p:nvSpPr>
+        <p:spPr>
+          <a:xfrm>
+            <a:off x="217199" y="4723515"/>
+            <a:ext cx="2066591" cy="323165"/>
+          </a:xfrm>
+          <a:prstGeom prst="rect">
+            <a:avLst/>
+          </a:prstGeom>
+          <a:noFill/>
+        </p:spPr>
+        <p:txBody>
+          <a:bodyPr wrap="none" rtlCol="0">
+            <a:spAutoFit/>
+          </a:bodyPr>
+          <a:lstStyle/>
+          <a:p>
+            <a:r>
+              <a:rPr lang="en-US" altLang="zh-CN" sz="1500" dirty="0"/>
+              <a:t>Open </a:t>
+            </a:r>
+            <a:r>
+              <a:rPr lang="en-US" altLang="zh-CN" sz="1500" dirty="0" smtClean="0"/>
+              <a:t>Academic Graph</a:t>
+            </a:r>
+            <a:endParaRPr lang="zh-CN" altLang="en-US" sz="1500" dirty="0"/>
+          </a:p>
+        </p:txBody>
+      </p:sp>
+      <p:sp>
+        <p:nvSpPr>
+          <p:cNvPr id="13" name="矩形 12"/>
+          <p:cNvSpPr/>
+          <p:nvPr/>
+        </p:nvSpPr>
+        <p:spPr>
+          <a:xfrm>
+            <a:off x="2503156" y="2150551"/>
+            <a:ext cx="1255485" cy="537107"/>
+          </a:xfrm>
+          <a:prstGeom prst="rect">
+            <a:avLst/>
+          </a:prstGeom>
+          <a:noFill/>
+          <a:ln w="19050">
+            <a:solidFill>
+              <a:schemeClr val="tx1"/>
+            </a:solidFill>
+          </a:ln>
+        </p:spPr>
+        <p:style>
+          <a:lnRef idx="2">
+            <a:schemeClr val="accent1">
+              <a:shade val="50000"/>
+            </a:schemeClr>
+          </a:lnRef>
+          <a:fillRef idx="1">
+            <a:schemeClr val="accent1"/>
+          </a:fillRef>
+          <a:effectRef idx="0">
+            <a:schemeClr val="accent1"/>
+          </a:effectRef>
+          <a:fontRef idx="minor">
+            <a:schemeClr val="lt1"/>
+          </a:fontRef>
+        </p:style>
+        <p:txBody>
+          <a:bodyPr rtlCol="0" anchor="ctr"/>
+          <a:lstStyle/>
+          <a:p>
+            <a:pPr algn="ctr"/>
+            <a:r>
+              <a:rPr lang="en-US" altLang="zh-CN" sz="1500" dirty="0" smtClean="0">
+                <a:solidFill>
+                  <a:schemeClr val="tx1"/>
+                </a:solidFill>
+              </a:rPr>
+              <a:t>Category</a:t>
+            </a:r>
+            <a:endParaRPr lang="zh-CN" altLang="en-US" sz="1500" dirty="0">
+              <a:solidFill>
+                <a:schemeClr val="tx1"/>
+              </a:solidFill>
+            </a:endParaRPr>
+          </a:p>
+        </p:txBody>
+      </p:sp>
+      <p:cxnSp>
+        <p:nvCxnSpPr>
+          <p:cNvPr id="17" name="直接连接符 16"/>
+          <p:cNvCxnSpPr/>
+          <p:nvPr/>
+        </p:nvCxnSpPr>
+        <p:spPr>
+          <a:xfrm flipH="1">
+            <a:off x="4061484" y="657098"/>
+            <a:ext cx="12634" cy="5090553"/>
+          </a:xfrm>
+          <a:prstGeom prst="line">
+            <a:avLst/>
+          </a:prstGeom>
+          <a:ln w="25400">
+            <a:solidFill>
+              <a:schemeClr val="tx1"/>
+            </a:solidFill>
+            <a:prstDash val="sysDot"/>
+          </a:ln>
+        </p:spPr>
+        <p:style>
+          <a:lnRef idx="1">
+            <a:schemeClr val="accent1"/>
+          </a:lnRef>
+          <a:fillRef idx="0">
+            <a:schemeClr val="accent1"/>
+          </a:fillRef>
+          <a:effectRef idx="0">
+            <a:schemeClr val="accent1"/>
+          </a:effectRef>
+          <a:fontRef idx="minor">
+            <a:schemeClr val="tx1"/>
+          </a:fontRef>
+        </p:style>
+      </p:cxnSp>
+      <p:sp>
+        <p:nvSpPr>
+          <p:cNvPr id="18" name="文本框 17"/>
+          <p:cNvSpPr txBox="1"/>
+          <p:nvPr/>
+        </p:nvSpPr>
+        <p:spPr>
+          <a:xfrm>
+            <a:off x="1217757" y="249353"/>
+            <a:ext cx="2148345" cy="369332"/>
+          </a:xfrm>
+          <a:prstGeom prst="rect">
+            <a:avLst/>
+          </a:prstGeom>
+          <a:noFill/>
+        </p:spPr>
+        <p:txBody>
+          <a:bodyPr wrap="none" rtlCol="0">
+            <a:spAutoFit/>
+          </a:bodyPr>
+          <a:lstStyle/>
+          <a:p>
+            <a:r>
+              <a:rPr lang="en-US" altLang="zh-CN" dirty="0"/>
+              <a:t>Dataset Preparation</a:t>
+            </a:r>
+            <a:endParaRPr lang="zh-CN" altLang="en-US" dirty="0"/>
+          </a:p>
+        </p:txBody>
+      </p:sp>
+      <p:sp>
+        <p:nvSpPr>
+          <p:cNvPr id="21" name="矩形 20"/>
+          <p:cNvSpPr/>
+          <p:nvPr/>
+        </p:nvSpPr>
+        <p:spPr>
+          <a:xfrm>
+            <a:off x="2503155" y="1455190"/>
+            <a:ext cx="1255485" cy="537107"/>
+          </a:xfrm>
+          <a:prstGeom prst="rect">
+            <a:avLst/>
+          </a:prstGeom>
+          <a:noFill/>
+          <a:ln w="19050">
+            <a:solidFill>
+              <a:schemeClr val="tx1"/>
+            </a:solidFill>
+          </a:ln>
+        </p:spPr>
+        <p:style>
+          <a:lnRef idx="2">
+            <a:schemeClr val="accent1">
+              <a:shade val="50000"/>
+            </a:schemeClr>
+          </a:lnRef>
+          <a:fillRef idx="1">
+            <a:schemeClr val="accent1"/>
+          </a:fillRef>
+          <a:effectRef idx="0">
+            <a:schemeClr val="accent1"/>
+          </a:effectRef>
+          <a:fontRef idx="minor">
+            <a:schemeClr val="lt1"/>
+          </a:fontRef>
+        </p:style>
+        <p:txBody>
+          <a:bodyPr rtlCol="0" anchor="ctr"/>
+          <a:lstStyle/>
+          <a:p>
+            <a:pPr algn="ctr"/>
+            <a:r>
+              <a:rPr lang="en-US" altLang="zh-CN" sz="1500" dirty="0" smtClean="0">
+                <a:solidFill>
+                  <a:schemeClr val="tx1"/>
+                </a:solidFill>
+              </a:rPr>
+              <a:t>Papers</a:t>
+            </a:r>
+            <a:endParaRPr lang="zh-CN" altLang="en-US" sz="1500" dirty="0">
+              <a:solidFill>
+                <a:schemeClr val="tx1"/>
+              </a:solidFill>
+            </a:endParaRPr>
+          </a:p>
+        </p:txBody>
+      </p:sp>
+      <p:cxnSp>
+        <p:nvCxnSpPr>
+          <p:cNvPr id="22" name="直接箭头连接符 21"/>
+          <p:cNvCxnSpPr/>
+          <p:nvPr/>
+        </p:nvCxnSpPr>
+        <p:spPr>
+          <a:xfrm>
+            <a:off x="3858208" y="1779321"/>
+            <a:ext cx="581393" cy="1866"/>
+          </a:xfrm>
+          <a:prstGeom prst="straightConnector1">
+            <a:avLst/>
+          </a:prstGeom>
+          <a:ln w="38100">
+            <a:tailEnd type="triangle"/>
+          </a:ln>
+        </p:spPr>
+        <p:style>
+          <a:lnRef idx="1">
+            <a:schemeClr val="dk1"/>
+          </a:lnRef>
+          <a:fillRef idx="0">
+            <a:schemeClr val="dk1"/>
+          </a:fillRef>
+          <a:effectRef idx="0">
+            <a:schemeClr val="dk1"/>
+          </a:effectRef>
+          <a:fontRef idx="minor">
+            <a:schemeClr val="tx1"/>
+          </a:fontRef>
+        </p:style>
+      </p:cxnSp>
+      <p:cxnSp>
+        <p:nvCxnSpPr>
+          <p:cNvPr id="23" name="直接箭头连接符 22"/>
+          <p:cNvCxnSpPr/>
+          <p:nvPr/>
+        </p:nvCxnSpPr>
+        <p:spPr>
+          <a:xfrm>
+            <a:off x="3858207" y="2436466"/>
+            <a:ext cx="581393" cy="1866"/>
+          </a:xfrm>
+          <a:prstGeom prst="straightConnector1">
+            <a:avLst/>
+          </a:prstGeom>
+          <a:ln w="38100">
+            <a:tailEnd type="triangle"/>
+          </a:ln>
+        </p:spPr>
+        <p:style>
+          <a:lnRef idx="1">
+            <a:schemeClr val="dk1"/>
+          </a:lnRef>
+          <a:fillRef idx="0">
+            <a:schemeClr val="dk1"/>
+          </a:fillRef>
+          <a:effectRef idx="0">
+            <a:schemeClr val="dk1"/>
+          </a:effectRef>
+          <a:fontRef idx="minor">
+            <a:schemeClr val="tx1"/>
+          </a:fontRef>
+        </p:style>
+      </p:cxnSp>
+      <p:pic>
+        <p:nvPicPr>
+          <p:cNvPr id="1028" name="Picture 4" descr="âMicrosoftâçå¾çæç´¢ç»æ"/>
+          <p:cNvPicPr>
+            <a:picLocks noChangeAspect="1" noChangeArrowheads="1"/>
+          </p:cNvPicPr>
+          <p:nvPr/>
+        </p:nvPicPr>
+        <p:blipFill>
+          <a:blip r:embed="rId3" cstate="print">
+            <a:extLst>
+              <a:ext uri="{28A0092B-C50C-407E-A947-70E740481C1C}">
+                <a14:useLocalDpi xmlns:a14="http://schemas.microsoft.com/office/drawing/2010/main" val="0"/>
+              </a:ext>
+            </a:extLst>
+          </a:blip>
+          <a:srcRect/>
+          <a:stretch>
+            <a:fillRect/>
+          </a:stretch>
+        </p:blipFill>
+        <p:spPr bwMode="auto">
+          <a:xfrm>
+            <a:off x="798576" y="3131301"/>
+            <a:ext cx="864510" cy="864510"/>
+          </a:xfrm>
+          <a:prstGeom prst="rect">
+            <a:avLst/>
+          </a:prstGeom>
+          <a:noFill/>
+          <a:extLst>
+            <a:ext uri="{909E8E84-426E-40DD-AFC4-6F175D3DCCD1}">
+              <a14:hiddenFill xmlns:a14="http://schemas.microsoft.com/office/drawing/2010/main">
+                <a:solidFill>
+                  <a:srgbClr val="FFFFFF"/>
+                </a:solidFill>
+              </a14:hiddenFill>
+            </a:ext>
+          </a:extLst>
+        </p:spPr>
+      </p:pic>
+      <p:pic>
+        <p:nvPicPr>
+          <p:cNvPr id="1030" name="Picture 6" descr="âTsinghua University logoâçå¾çæç´¢ç»æ"/>
+          <p:cNvPicPr>
+            <a:picLocks noChangeAspect="1" noChangeArrowheads="1"/>
+          </p:cNvPicPr>
+          <p:nvPr/>
+        </p:nvPicPr>
+        <p:blipFill>
+          <a:blip r:embed="rId4" cstate="print">
+            <a:extLst>
+              <a:ext uri="{28A0092B-C50C-407E-A947-70E740481C1C}">
+                <a14:useLocalDpi xmlns:a14="http://schemas.microsoft.com/office/drawing/2010/main" val="0"/>
+              </a:ext>
+            </a:extLst>
+          </a:blip>
+          <a:srcRect/>
+          <a:stretch>
+            <a:fillRect/>
+          </a:stretch>
+        </p:blipFill>
+        <p:spPr bwMode="auto">
+          <a:xfrm>
+            <a:off x="906732" y="3967493"/>
+            <a:ext cx="687527" cy="687527"/>
+          </a:xfrm>
+          <a:prstGeom prst="rect">
+            <a:avLst/>
+          </a:prstGeom>
+          <a:noFill/>
+          <a:extLst>
+            <a:ext uri="{909E8E84-426E-40DD-AFC4-6F175D3DCCD1}">
+              <a14:hiddenFill xmlns:a14="http://schemas.microsoft.com/office/drawing/2010/main">
+                <a:solidFill>
+                  <a:srgbClr val="FFFFFF"/>
+                </a:solidFill>
+              </a14:hiddenFill>
+            </a:ext>
+          </a:extLst>
+        </p:spPr>
+      </p:pic>
+      <p:cxnSp>
+        <p:nvCxnSpPr>
+          <p:cNvPr id="38" name="直接箭头连接符 37"/>
+          <p:cNvCxnSpPr/>
+          <p:nvPr/>
+        </p:nvCxnSpPr>
+        <p:spPr>
+          <a:xfrm>
+            <a:off x="4880385" y="6233929"/>
+            <a:ext cx="638175" cy="7633"/>
+          </a:xfrm>
+          <a:prstGeom prst="straightConnector1">
+            <a:avLst/>
+          </a:prstGeom>
+          <a:ln w="38100">
+            <a:tailEnd type="triangle"/>
+          </a:ln>
+        </p:spPr>
+        <p:style>
+          <a:lnRef idx="1">
+            <a:schemeClr val="dk1"/>
+          </a:lnRef>
+          <a:fillRef idx="0">
+            <a:schemeClr val="dk1"/>
+          </a:fillRef>
+          <a:effectRef idx="0">
+            <a:schemeClr val="dk1"/>
+          </a:effectRef>
+          <a:fontRef idx="minor">
+            <a:schemeClr val="tx1"/>
+          </a:fontRef>
+        </p:style>
+      </p:cxnSp>
+      <p:sp>
+        <p:nvSpPr>
+          <p:cNvPr id="39" name="文本框 38"/>
+          <p:cNvSpPr txBox="1"/>
+          <p:nvPr/>
+        </p:nvSpPr>
+        <p:spPr>
+          <a:xfrm>
+            <a:off x="5540551" y="6060261"/>
+            <a:ext cx="1003801" cy="323165"/>
+          </a:xfrm>
+          <a:prstGeom prst="rect">
+            <a:avLst/>
+          </a:prstGeom>
+          <a:noFill/>
+        </p:spPr>
+        <p:txBody>
+          <a:bodyPr wrap="none" rtlCol="0">
+            <a:spAutoFit/>
+          </a:bodyPr>
+          <a:lstStyle/>
+          <a:p>
+            <a:r>
+              <a:rPr lang="en-US" altLang="zh-CN" sz="1500" dirty="0"/>
+              <a:t>Data Flow</a:t>
+            </a:r>
+            <a:endParaRPr lang="zh-CN" altLang="en-US" sz="1500" dirty="0"/>
+          </a:p>
+        </p:txBody>
+      </p:sp>
+      <p:cxnSp>
+        <p:nvCxnSpPr>
+          <p:cNvPr id="42" name="直接箭头连接符 41"/>
+          <p:cNvCxnSpPr/>
+          <p:nvPr/>
+        </p:nvCxnSpPr>
+        <p:spPr>
+          <a:xfrm>
+            <a:off x="2849851" y="6214212"/>
+            <a:ext cx="606915" cy="12084"/>
+          </a:xfrm>
+          <a:prstGeom prst="straightConnector1">
+            <a:avLst/>
+          </a:prstGeom>
+          <a:ln w="44450">
+            <a:headEnd type="none" w="med" len="med"/>
+            <a:tailEnd type="arrow" w="med" len="med"/>
+          </a:ln>
+        </p:spPr>
+        <p:style>
+          <a:lnRef idx="1">
+            <a:schemeClr val="dk1"/>
+          </a:lnRef>
+          <a:fillRef idx="0">
+            <a:schemeClr val="dk1"/>
+          </a:fillRef>
+          <a:effectRef idx="0">
+            <a:schemeClr val="dk1"/>
+          </a:effectRef>
+          <a:fontRef idx="minor">
+            <a:schemeClr val="tx1"/>
+          </a:fontRef>
+        </p:style>
+      </p:cxnSp>
+      <p:sp>
+        <p:nvSpPr>
+          <p:cNvPr id="43" name="文本框 42"/>
+          <p:cNvSpPr txBox="1"/>
+          <p:nvPr/>
+        </p:nvSpPr>
+        <p:spPr>
+          <a:xfrm>
+            <a:off x="3485698" y="6052629"/>
+            <a:ext cx="1055097" cy="323165"/>
+          </a:xfrm>
+          <a:prstGeom prst="rect">
+            <a:avLst/>
+          </a:prstGeom>
+          <a:noFill/>
+        </p:spPr>
+        <p:txBody>
+          <a:bodyPr wrap="none" rtlCol="0">
+            <a:spAutoFit/>
+          </a:bodyPr>
+          <a:lstStyle/>
+          <a:p>
+            <a:r>
+              <a:rPr lang="en-US" altLang="zh-CN" sz="1500" dirty="0"/>
+              <a:t>Input Data</a:t>
+            </a:r>
+            <a:endParaRPr lang="zh-CN" altLang="en-US" sz="1500" dirty="0"/>
+          </a:p>
+        </p:txBody>
+      </p:sp>
+      <p:cxnSp>
+        <p:nvCxnSpPr>
+          <p:cNvPr id="44" name="直接箭头连接符 43"/>
+          <p:cNvCxnSpPr/>
+          <p:nvPr/>
+        </p:nvCxnSpPr>
+        <p:spPr>
+          <a:xfrm>
+            <a:off x="6792403" y="6233929"/>
+            <a:ext cx="539455" cy="0"/>
+          </a:xfrm>
+          <a:prstGeom prst="straightConnector1">
+            <a:avLst/>
+          </a:prstGeom>
+          <a:ln w="73025" cmpd="dbl">
+            <a:tailEnd type="triangle"/>
+          </a:ln>
+        </p:spPr>
+        <p:style>
+          <a:lnRef idx="1">
+            <a:schemeClr val="dk1"/>
+          </a:lnRef>
+          <a:fillRef idx="0">
+            <a:schemeClr val="dk1"/>
+          </a:fillRef>
+          <a:effectRef idx="0">
+            <a:schemeClr val="dk1"/>
+          </a:effectRef>
+          <a:fontRef idx="minor">
+            <a:schemeClr val="tx1"/>
+          </a:fontRef>
+        </p:style>
+      </p:cxnSp>
+      <p:sp>
+        <p:nvSpPr>
+          <p:cNvPr id="45" name="文本框 44"/>
+          <p:cNvSpPr txBox="1"/>
+          <p:nvPr/>
+        </p:nvSpPr>
+        <p:spPr>
+          <a:xfrm>
+            <a:off x="7369704" y="6052628"/>
+            <a:ext cx="1326004" cy="323165"/>
+          </a:xfrm>
+          <a:prstGeom prst="rect">
+            <a:avLst/>
+          </a:prstGeom>
+          <a:noFill/>
+        </p:spPr>
+        <p:txBody>
+          <a:bodyPr wrap="none" rtlCol="0">
+            <a:spAutoFit/>
+          </a:bodyPr>
+          <a:lstStyle/>
+          <a:p>
+            <a:r>
+              <a:rPr lang="en-US" altLang="zh-CN" sz="1500" dirty="0"/>
+              <a:t>Output Result</a:t>
+            </a:r>
+            <a:endParaRPr lang="zh-CN" altLang="en-US" sz="1500" dirty="0"/>
+          </a:p>
+        </p:txBody>
+      </p:sp>
+      <p:cxnSp>
+        <p:nvCxnSpPr>
+          <p:cNvPr id="46" name="直接箭头连接符 45"/>
+          <p:cNvCxnSpPr/>
+          <p:nvPr/>
+        </p:nvCxnSpPr>
+        <p:spPr>
+          <a:xfrm>
+            <a:off x="1728925" y="4206687"/>
+            <a:ext cx="597982" cy="353893"/>
+          </a:xfrm>
+          <a:prstGeom prst="straightConnector1">
+            <a:avLst/>
+          </a:prstGeom>
+          <a:ln w="44450">
+            <a:headEnd type="none" w="med" len="med"/>
+            <a:tailEnd type="arrow" w="med" len="med"/>
+          </a:ln>
+        </p:spPr>
+        <p:style>
+          <a:lnRef idx="1">
+            <a:schemeClr val="dk1"/>
+          </a:lnRef>
+          <a:fillRef idx="0">
+            <a:schemeClr val="dk1"/>
+          </a:fillRef>
+          <a:effectRef idx="0">
+            <a:schemeClr val="dk1"/>
+          </a:effectRef>
+          <a:fontRef idx="minor">
+            <a:schemeClr val="tx1"/>
+          </a:fontRef>
+        </p:style>
+      </p:cxnSp>
+      <p:cxnSp>
+        <p:nvCxnSpPr>
+          <p:cNvPr id="47" name="直接箭头连接符 46"/>
+          <p:cNvCxnSpPr/>
+          <p:nvPr/>
+        </p:nvCxnSpPr>
+        <p:spPr>
+          <a:xfrm>
+            <a:off x="1726332" y="3903942"/>
+            <a:ext cx="606915" cy="12084"/>
+          </a:xfrm>
+          <a:prstGeom prst="straightConnector1">
+            <a:avLst/>
+          </a:prstGeom>
+          <a:ln w="44450">
+            <a:headEnd type="none" w="med" len="med"/>
+            <a:tailEnd type="arrow" w="med" len="med"/>
+          </a:ln>
+        </p:spPr>
+        <p:style>
+          <a:lnRef idx="1">
+            <a:schemeClr val="dk1"/>
+          </a:lnRef>
+          <a:fillRef idx="0">
+            <a:schemeClr val="dk1"/>
+          </a:fillRef>
+          <a:effectRef idx="0">
+            <a:schemeClr val="dk1"/>
+          </a:effectRef>
+          <a:fontRef idx="minor">
+            <a:schemeClr val="tx1"/>
+          </a:fontRef>
+        </p:style>
+      </p:cxnSp>
+      <p:sp>
+        <p:nvSpPr>
+          <p:cNvPr id="48" name="矩形 47"/>
+          <p:cNvSpPr/>
+          <p:nvPr/>
+        </p:nvSpPr>
+        <p:spPr>
+          <a:xfrm>
+            <a:off x="2473641" y="3650178"/>
+            <a:ext cx="1255485" cy="537107"/>
+          </a:xfrm>
+          <a:prstGeom prst="rect">
+            <a:avLst/>
+          </a:prstGeom>
+          <a:noFill/>
+          <a:ln w="19050">
+            <a:solidFill>
+              <a:schemeClr val="tx1"/>
+            </a:solidFill>
+          </a:ln>
+        </p:spPr>
+        <p:style>
+          <a:lnRef idx="2">
+            <a:schemeClr val="accent1">
+              <a:shade val="50000"/>
+            </a:schemeClr>
+          </a:lnRef>
+          <a:fillRef idx="1">
+            <a:schemeClr val="accent1"/>
+          </a:fillRef>
+          <a:effectRef idx="0">
+            <a:schemeClr val="accent1"/>
+          </a:effectRef>
+          <a:fontRef idx="minor">
+            <a:schemeClr val="lt1"/>
+          </a:fontRef>
+        </p:style>
+        <p:txBody>
+          <a:bodyPr rtlCol="0" anchor="ctr"/>
+          <a:lstStyle/>
+          <a:p>
+            <a:pPr algn="ctr"/>
+            <a:r>
+              <a:rPr lang="en-US" altLang="zh-CN" sz="1500" dirty="0" smtClean="0">
+                <a:solidFill>
+                  <a:schemeClr val="tx1"/>
+                </a:solidFill>
+              </a:rPr>
+              <a:t>Author</a:t>
+            </a:r>
+            <a:endParaRPr lang="zh-CN" altLang="en-US" sz="1500" dirty="0">
+              <a:solidFill>
+                <a:schemeClr val="tx1"/>
+              </a:solidFill>
+            </a:endParaRPr>
+          </a:p>
+        </p:txBody>
+      </p:sp>
+      <p:sp>
+        <p:nvSpPr>
+          <p:cNvPr id="49" name="矩形 48"/>
+          <p:cNvSpPr/>
+          <p:nvPr/>
+        </p:nvSpPr>
+        <p:spPr>
+          <a:xfrm>
+            <a:off x="2467575" y="4439788"/>
+            <a:ext cx="1255485" cy="559708"/>
+          </a:xfrm>
+          <a:prstGeom prst="rect">
+            <a:avLst/>
+          </a:prstGeom>
+          <a:noFill/>
+          <a:ln w="19050">
+            <a:solidFill>
+              <a:schemeClr val="tx1"/>
+            </a:solidFill>
+          </a:ln>
+        </p:spPr>
+        <p:style>
+          <a:lnRef idx="2">
+            <a:schemeClr val="accent1">
+              <a:shade val="50000"/>
+            </a:schemeClr>
+          </a:lnRef>
+          <a:fillRef idx="1">
+            <a:schemeClr val="accent1"/>
+          </a:fillRef>
+          <a:effectRef idx="0">
+            <a:schemeClr val="accent1"/>
+          </a:effectRef>
+          <a:fontRef idx="minor">
+            <a:schemeClr val="lt1"/>
+          </a:fontRef>
+        </p:style>
+        <p:txBody>
+          <a:bodyPr rtlCol="0" anchor="ctr"/>
+          <a:lstStyle/>
+          <a:p>
+            <a:pPr algn="ctr"/>
+            <a:r>
+              <a:rPr lang="en-US" altLang="zh-CN" sz="1500" dirty="0" smtClean="0">
+                <a:solidFill>
+                  <a:schemeClr val="tx1"/>
+                </a:solidFill>
+              </a:rPr>
+              <a:t>Venue</a:t>
+            </a:r>
+            <a:endParaRPr lang="zh-CN" altLang="en-US" sz="1500" dirty="0">
+              <a:solidFill>
+                <a:schemeClr val="tx1"/>
+              </a:solidFill>
+            </a:endParaRPr>
+          </a:p>
+        </p:txBody>
+      </p:sp>
+      <p:sp>
+        <p:nvSpPr>
+          <p:cNvPr id="50" name="矩形 49"/>
+          <p:cNvSpPr/>
+          <p:nvPr/>
+        </p:nvSpPr>
+        <p:spPr>
+          <a:xfrm>
+            <a:off x="2495932" y="2837966"/>
+            <a:ext cx="1255485" cy="537107"/>
+          </a:xfrm>
+          <a:prstGeom prst="rect">
+            <a:avLst/>
+          </a:prstGeom>
+          <a:noFill/>
+          <a:ln w="19050">
+            <a:solidFill>
+              <a:schemeClr val="tx1"/>
+            </a:solidFill>
+          </a:ln>
+        </p:spPr>
+        <p:style>
+          <a:lnRef idx="2">
+            <a:schemeClr val="accent1">
+              <a:shade val="50000"/>
+            </a:schemeClr>
+          </a:lnRef>
+          <a:fillRef idx="1">
+            <a:schemeClr val="accent1"/>
+          </a:fillRef>
+          <a:effectRef idx="0">
+            <a:schemeClr val="accent1"/>
+          </a:effectRef>
+          <a:fontRef idx="minor">
+            <a:schemeClr val="lt1"/>
+          </a:fontRef>
+        </p:style>
+        <p:txBody>
+          <a:bodyPr rtlCol="0" anchor="ctr"/>
+          <a:lstStyle/>
+          <a:p>
+            <a:pPr algn="ctr"/>
+            <a:r>
+              <a:rPr lang="en-US" altLang="zh-CN" sz="1500" dirty="0" smtClean="0">
+                <a:solidFill>
+                  <a:schemeClr val="tx1"/>
+                </a:solidFill>
+              </a:rPr>
+              <a:t>Papers</a:t>
+            </a:r>
+            <a:endParaRPr lang="zh-CN" altLang="en-US" sz="1500" dirty="0">
+              <a:solidFill>
+                <a:schemeClr val="tx1"/>
+              </a:solidFill>
+            </a:endParaRPr>
+          </a:p>
+        </p:txBody>
+      </p:sp>
+      <p:cxnSp>
+        <p:nvCxnSpPr>
+          <p:cNvPr id="51" name="直接箭头连接符 50"/>
+          <p:cNvCxnSpPr/>
+          <p:nvPr/>
+        </p:nvCxnSpPr>
+        <p:spPr>
+          <a:xfrm>
+            <a:off x="3828692" y="3097686"/>
+            <a:ext cx="581393" cy="1866"/>
+          </a:xfrm>
+          <a:prstGeom prst="straightConnector1">
+            <a:avLst/>
+          </a:prstGeom>
+          <a:ln w="38100">
+            <a:tailEnd type="triangle"/>
+          </a:ln>
+        </p:spPr>
+        <p:style>
+          <a:lnRef idx="1">
+            <a:schemeClr val="dk1"/>
+          </a:lnRef>
+          <a:fillRef idx="0">
+            <a:schemeClr val="dk1"/>
+          </a:fillRef>
+          <a:effectRef idx="0">
+            <a:schemeClr val="dk1"/>
+          </a:effectRef>
+          <a:fontRef idx="minor">
+            <a:schemeClr val="tx1"/>
+          </a:fontRef>
+        </p:style>
+      </p:cxnSp>
+      <p:cxnSp>
+        <p:nvCxnSpPr>
+          <p:cNvPr id="52" name="直接箭头连接符 51"/>
+          <p:cNvCxnSpPr/>
+          <p:nvPr/>
+        </p:nvCxnSpPr>
+        <p:spPr>
+          <a:xfrm>
+            <a:off x="3828692" y="3916865"/>
+            <a:ext cx="581393" cy="1866"/>
+          </a:xfrm>
+          <a:prstGeom prst="straightConnector1">
+            <a:avLst/>
+          </a:prstGeom>
+          <a:ln w="38100">
+            <a:tailEnd type="triangle"/>
+          </a:ln>
+        </p:spPr>
+        <p:style>
+          <a:lnRef idx="1">
+            <a:schemeClr val="dk1"/>
+          </a:lnRef>
+          <a:fillRef idx="0">
+            <a:schemeClr val="dk1"/>
+          </a:fillRef>
+          <a:effectRef idx="0">
+            <a:schemeClr val="dk1"/>
+          </a:effectRef>
+          <a:fontRef idx="minor">
+            <a:schemeClr val="tx1"/>
+          </a:fontRef>
+        </p:style>
+      </p:cxnSp>
+      <p:cxnSp>
+        <p:nvCxnSpPr>
+          <p:cNvPr id="53" name="直接箭头连接符 52"/>
+          <p:cNvCxnSpPr/>
+          <p:nvPr/>
+        </p:nvCxnSpPr>
+        <p:spPr>
+          <a:xfrm>
+            <a:off x="3828693" y="4727858"/>
+            <a:ext cx="581393" cy="1866"/>
+          </a:xfrm>
+          <a:prstGeom prst="straightConnector1">
+            <a:avLst/>
+          </a:prstGeom>
+          <a:ln w="38100">
+            <a:tailEnd type="triangle"/>
+          </a:ln>
+        </p:spPr>
+        <p:style>
+          <a:lnRef idx="1">
+            <a:schemeClr val="dk1"/>
+          </a:lnRef>
+          <a:fillRef idx="0">
+            <a:schemeClr val="dk1"/>
+          </a:fillRef>
+          <a:effectRef idx="0">
+            <a:schemeClr val="dk1"/>
+          </a:effectRef>
+          <a:fontRef idx="minor">
+            <a:schemeClr val="tx1"/>
+          </a:fontRef>
+        </p:style>
+      </p:cxnSp>
+      <p:cxnSp>
+        <p:nvCxnSpPr>
+          <p:cNvPr id="54" name="直接箭头连接符 53"/>
+          <p:cNvCxnSpPr/>
+          <p:nvPr/>
+        </p:nvCxnSpPr>
+        <p:spPr>
+          <a:xfrm flipV="1">
+            <a:off x="1726332" y="3249629"/>
+            <a:ext cx="625931" cy="323944"/>
+          </a:xfrm>
+          <a:prstGeom prst="straightConnector1">
+            <a:avLst/>
+          </a:prstGeom>
+          <a:ln w="44450">
+            <a:headEnd type="none" w="med" len="med"/>
+            <a:tailEnd type="arrow" w="med" len="med"/>
+          </a:ln>
+        </p:spPr>
+        <p:style>
+          <a:lnRef idx="1">
+            <a:schemeClr val="dk1"/>
+          </a:lnRef>
+          <a:fillRef idx="0">
+            <a:schemeClr val="dk1"/>
+          </a:fillRef>
+          <a:effectRef idx="0">
+            <a:schemeClr val="dk1"/>
+          </a:effectRef>
+          <a:fontRef idx="minor">
+            <a:schemeClr val="tx1"/>
+          </a:fontRef>
+        </p:style>
+      </p:cxnSp>
+      <p:sp>
+        <p:nvSpPr>
+          <p:cNvPr id="55" name="矩形 54"/>
+          <p:cNvSpPr/>
+          <p:nvPr/>
+        </p:nvSpPr>
+        <p:spPr>
+          <a:xfrm>
+            <a:off x="4472119" y="2789353"/>
+            <a:ext cx="1703091" cy="537107"/>
+          </a:xfrm>
+          <a:prstGeom prst="rect">
+            <a:avLst/>
+          </a:prstGeom>
+          <a:noFill/>
+          <a:ln w="19050">
+            <a:solidFill>
+              <a:schemeClr val="tx1"/>
+            </a:solidFill>
+          </a:ln>
+        </p:spPr>
+        <p:style>
+          <a:lnRef idx="2">
+            <a:schemeClr val="accent1">
+              <a:shade val="50000"/>
+            </a:schemeClr>
+          </a:lnRef>
+          <a:fillRef idx="1">
+            <a:schemeClr val="accent1"/>
+          </a:fillRef>
+          <a:effectRef idx="0">
+            <a:schemeClr val="accent1"/>
+          </a:effectRef>
+          <a:fontRef idx="minor">
+            <a:schemeClr val="lt1"/>
+          </a:fontRef>
+        </p:style>
+        <p:txBody>
+          <a:bodyPr rtlCol="0" anchor="ctr"/>
+          <a:lstStyle/>
+          <a:p>
+            <a:pPr algn="ctr"/>
+            <a:r>
+              <a:rPr lang="en-US" altLang="zh-CN" sz="1500" dirty="0" smtClean="0">
+                <a:solidFill>
+                  <a:schemeClr val="tx1"/>
+                </a:solidFill>
+              </a:rPr>
+              <a:t>Citation count </a:t>
+            </a:r>
+            <a:endParaRPr lang="zh-CN" altLang="en-US" sz="1500" dirty="0">
+              <a:solidFill>
+                <a:schemeClr val="tx1"/>
+              </a:solidFill>
+            </a:endParaRPr>
+          </a:p>
+        </p:txBody>
+      </p:sp>
+      <p:sp>
+        <p:nvSpPr>
+          <p:cNvPr id="57" name="矩形 56"/>
+          <p:cNvSpPr/>
+          <p:nvPr/>
+        </p:nvSpPr>
+        <p:spPr>
+          <a:xfrm>
+            <a:off x="4469212" y="4462636"/>
+            <a:ext cx="1705998" cy="578937"/>
+          </a:xfrm>
+          <a:prstGeom prst="rect">
+            <a:avLst/>
+          </a:prstGeom>
+          <a:noFill/>
+          <a:ln w="19050">
+            <a:solidFill>
+              <a:schemeClr val="tx1"/>
+            </a:solidFill>
+          </a:ln>
+        </p:spPr>
+        <p:style>
+          <a:lnRef idx="2">
+            <a:schemeClr val="accent1">
+              <a:shade val="50000"/>
+            </a:schemeClr>
+          </a:lnRef>
+          <a:fillRef idx="1">
+            <a:schemeClr val="accent1"/>
+          </a:fillRef>
+          <a:effectRef idx="0">
+            <a:schemeClr val="accent1"/>
+          </a:effectRef>
+          <a:fontRef idx="minor">
+            <a:schemeClr val="lt1"/>
+          </a:fontRef>
+        </p:style>
+        <p:txBody>
+          <a:bodyPr rtlCol="0" anchor="ctr"/>
+          <a:lstStyle/>
+          <a:p>
+            <a:pPr algn="ctr"/>
+            <a:r>
+              <a:rPr lang="en-US" altLang="zh-CN" sz="1500" dirty="0" smtClean="0">
+                <a:solidFill>
+                  <a:schemeClr val="tx1"/>
+                </a:solidFill>
+              </a:rPr>
+              <a:t>Venue Name</a:t>
+            </a:r>
+            <a:endParaRPr lang="zh-CN" altLang="en-US" sz="1500" dirty="0">
+              <a:solidFill>
+                <a:schemeClr val="tx1"/>
+              </a:solidFill>
+            </a:endParaRPr>
+          </a:p>
+        </p:txBody>
+      </p:sp>
+      <p:cxnSp>
+        <p:nvCxnSpPr>
+          <p:cNvPr id="60" name="直接箭头连接符 59"/>
+          <p:cNvCxnSpPr/>
+          <p:nvPr/>
+        </p:nvCxnSpPr>
+        <p:spPr>
+          <a:xfrm>
+            <a:off x="6350013" y="4781650"/>
+            <a:ext cx="930226" cy="217846"/>
+          </a:xfrm>
+          <a:prstGeom prst="straightConnector1">
+            <a:avLst/>
+          </a:prstGeom>
+          <a:ln w="38100">
+            <a:tailEnd type="triangle"/>
+          </a:ln>
+        </p:spPr>
+        <p:style>
+          <a:lnRef idx="1">
+            <a:schemeClr val="dk1"/>
+          </a:lnRef>
+          <a:fillRef idx="0">
+            <a:schemeClr val="dk1"/>
+          </a:fillRef>
+          <a:effectRef idx="0">
+            <a:schemeClr val="dk1"/>
+          </a:effectRef>
+          <a:fontRef idx="minor">
+            <a:schemeClr val="tx1"/>
+          </a:fontRef>
+        </p:style>
+      </p:cxnSp>
+      <p:pic>
+        <p:nvPicPr>
+          <p:cNvPr id="1032" name="Picture 8" descr="âgoogle scholar logoâçå¾çæç´¢ç»æ"/>
+          <p:cNvPicPr>
+            <a:picLocks noChangeAspect="1" noChangeArrowheads="1"/>
+          </p:cNvPicPr>
+          <p:nvPr/>
+        </p:nvPicPr>
+        <p:blipFill>
+          <a:blip r:embed="rId5" cstate="print">
+            <a:extLst>
+              <a:ext uri="{28A0092B-C50C-407E-A947-70E740481C1C}">
+                <a14:useLocalDpi xmlns:a14="http://schemas.microsoft.com/office/drawing/2010/main" val="0"/>
+              </a:ext>
+            </a:extLst>
+          </a:blip>
+          <a:srcRect/>
+          <a:stretch>
+            <a:fillRect/>
+          </a:stretch>
+        </p:blipFill>
+        <p:spPr bwMode="auto">
+          <a:xfrm>
+            <a:off x="686505" y="5351234"/>
+            <a:ext cx="1098040" cy="396417"/>
+          </a:xfrm>
+          <a:prstGeom prst="rect">
+            <a:avLst/>
+          </a:prstGeom>
+          <a:noFill/>
+          <a:extLst>
+            <a:ext uri="{909E8E84-426E-40DD-AFC4-6F175D3DCCD1}">
+              <a14:hiddenFill xmlns:a14="http://schemas.microsoft.com/office/drawing/2010/main">
+                <a:solidFill>
+                  <a:srgbClr val="FFFFFF"/>
+                </a:solidFill>
+              </a14:hiddenFill>
+            </a:ext>
+          </a:extLst>
+        </p:spPr>
+      </p:pic>
+      <p:sp>
+        <p:nvSpPr>
+          <p:cNvPr id="62" name="文本框 61"/>
+          <p:cNvSpPr txBox="1"/>
+          <p:nvPr/>
+        </p:nvSpPr>
+        <p:spPr>
+          <a:xfrm>
+            <a:off x="215760" y="5747651"/>
+            <a:ext cx="2103461" cy="323165"/>
+          </a:xfrm>
+          <a:prstGeom prst="rect">
+            <a:avLst/>
+          </a:prstGeom>
+          <a:noFill/>
+        </p:spPr>
+        <p:txBody>
+          <a:bodyPr wrap="none" rtlCol="0">
+            <a:spAutoFit/>
+          </a:bodyPr>
+          <a:lstStyle/>
+          <a:p>
+            <a:r>
+              <a:rPr lang="en-US" altLang="zh-CN" sz="1500" dirty="0" smtClean="0"/>
+              <a:t>Google Scholar Metrics</a:t>
+            </a:r>
+            <a:endParaRPr lang="zh-CN" altLang="en-US" sz="1500" dirty="0"/>
+          </a:p>
+        </p:txBody>
+      </p:sp>
+      <p:cxnSp>
+        <p:nvCxnSpPr>
+          <p:cNvPr id="63" name="直接箭头连接符 62"/>
+          <p:cNvCxnSpPr/>
+          <p:nvPr/>
+        </p:nvCxnSpPr>
+        <p:spPr>
+          <a:xfrm>
+            <a:off x="1829111" y="5514963"/>
+            <a:ext cx="537310" cy="0"/>
+          </a:xfrm>
+          <a:prstGeom prst="straightConnector1">
+            <a:avLst/>
+          </a:prstGeom>
+          <a:ln w="44450">
+            <a:headEnd type="none" w="med" len="med"/>
+            <a:tailEnd type="arrow" w="med" len="med"/>
+          </a:ln>
+        </p:spPr>
+        <p:style>
+          <a:lnRef idx="1">
+            <a:schemeClr val="dk1"/>
+          </a:lnRef>
+          <a:fillRef idx="0">
+            <a:schemeClr val="dk1"/>
+          </a:fillRef>
+          <a:effectRef idx="0">
+            <a:schemeClr val="dk1"/>
+          </a:effectRef>
+          <a:fontRef idx="minor">
+            <a:schemeClr val="tx1"/>
+          </a:fontRef>
+        </p:style>
+      </p:cxnSp>
+      <p:sp>
+        <p:nvSpPr>
+          <p:cNvPr id="64" name="矩形 63"/>
+          <p:cNvSpPr/>
+          <p:nvPr/>
+        </p:nvSpPr>
+        <p:spPr>
+          <a:xfrm>
+            <a:off x="2488201" y="5246839"/>
+            <a:ext cx="1255485" cy="537107"/>
+          </a:xfrm>
+          <a:prstGeom prst="rect">
+            <a:avLst/>
+          </a:prstGeom>
+          <a:noFill/>
+          <a:ln w="19050">
+            <a:solidFill>
+              <a:schemeClr val="tx1"/>
+            </a:solidFill>
+          </a:ln>
+        </p:spPr>
+        <p:style>
+          <a:lnRef idx="2">
+            <a:schemeClr val="accent1">
+              <a:shade val="50000"/>
+            </a:schemeClr>
+          </a:lnRef>
+          <a:fillRef idx="1">
+            <a:schemeClr val="accent1"/>
+          </a:fillRef>
+          <a:effectRef idx="0">
+            <a:schemeClr val="accent1"/>
+          </a:effectRef>
+          <a:fontRef idx="minor">
+            <a:schemeClr val="lt1"/>
+          </a:fontRef>
+        </p:style>
+        <p:txBody>
+          <a:bodyPr rtlCol="0" anchor="ctr"/>
+          <a:lstStyle/>
+          <a:p>
+            <a:pPr algn="ctr"/>
+            <a:r>
+              <a:rPr lang="en-US" altLang="zh-CN" sz="1500" dirty="0" smtClean="0">
+                <a:solidFill>
+                  <a:schemeClr val="tx1"/>
+                </a:solidFill>
+              </a:rPr>
+              <a:t>Publication</a:t>
+            </a:r>
+            <a:endParaRPr lang="zh-CN" altLang="en-US" sz="1500" dirty="0">
+              <a:solidFill>
+                <a:schemeClr val="tx1"/>
+              </a:solidFill>
+            </a:endParaRPr>
+          </a:p>
+        </p:txBody>
+      </p:sp>
+      <p:cxnSp>
+        <p:nvCxnSpPr>
+          <p:cNvPr id="65" name="直接箭头连接符 64"/>
+          <p:cNvCxnSpPr/>
+          <p:nvPr/>
+        </p:nvCxnSpPr>
+        <p:spPr>
+          <a:xfrm>
+            <a:off x="3843252" y="5532754"/>
+            <a:ext cx="581393" cy="1866"/>
+          </a:xfrm>
+          <a:prstGeom prst="straightConnector1">
+            <a:avLst/>
+          </a:prstGeom>
+          <a:ln w="38100">
+            <a:tailEnd type="triangle"/>
+          </a:ln>
+        </p:spPr>
+        <p:style>
+          <a:lnRef idx="1">
+            <a:schemeClr val="dk1"/>
+          </a:lnRef>
+          <a:fillRef idx="0">
+            <a:schemeClr val="dk1"/>
+          </a:fillRef>
+          <a:effectRef idx="0">
+            <a:schemeClr val="dk1"/>
+          </a:effectRef>
+          <a:fontRef idx="minor">
+            <a:schemeClr val="tx1"/>
+          </a:fontRef>
+        </p:style>
+      </p:cxnSp>
+      <p:sp>
+        <p:nvSpPr>
+          <p:cNvPr id="66" name="矩形 65"/>
+          <p:cNvSpPr/>
+          <p:nvPr/>
+        </p:nvSpPr>
+        <p:spPr>
+          <a:xfrm>
+            <a:off x="4469211" y="5244087"/>
+            <a:ext cx="1705999" cy="537107"/>
+          </a:xfrm>
+          <a:prstGeom prst="rect">
+            <a:avLst/>
+          </a:prstGeom>
+          <a:noFill/>
+          <a:ln w="19050">
+            <a:solidFill>
+              <a:schemeClr val="tx1"/>
+            </a:solidFill>
+          </a:ln>
+        </p:spPr>
+        <p:style>
+          <a:lnRef idx="2">
+            <a:schemeClr val="accent1">
+              <a:shade val="50000"/>
+            </a:schemeClr>
+          </a:lnRef>
+          <a:fillRef idx="1">
+            <a:schemeClr val="accent1"/>
+          </a:fillRef>
+          <a:effectRef idx="0">
+            <a:schemeClr val="accent1"/>
+          </a:effectRef>
+          <a:fontRef idx="minor">
+            <a:schemeClr val="lt1"/>
+          </a:fontRef>
+        </p:style>
+        <p:txBody>
+          <a:bodyPr rtlCol="0" anchor="ctr"/>
+          <a:lstStyle/>
+          <a:p>
+            <a:pPr algn="ctr"/>
+            <a:r>
+              <a:rPr lang="en-US" altLang="zh-CN" sz="1500" dirty="0" smtClean="0">
+                <a:solidFill>
+                  <a:schemeClr val="tx1"/>
+                </a:solidFill>
+              </a:rPr>
+              <a:t>Publication Index </a:t>
+            </a:r>
+            <a:endParaRPr lang="zh-CN" altLang="en-US" sz="1500" dirty="0">
+              <a:solidFill>
+                <a:schemeClr val="tx1"/>
+              </a:solidFill>
+            </a:endParaRPr>
+          </a:p>
+        </p:txBody>
+      </p:sp>
+      <p:sp>
+        <p:nvSpPr>
+          <p:cNvPr id="69" name="弧形 68"/>
+          <p:cNvSpPr/>
+          <p:nvPr/>
+        </p:nvSpPr>
+        <p:spPr>
+          <a:xfrm>
+            <a:off x="6087031" y="4903313"/>
+            <a:ext cx="525964" cy="489167"/>
+          </a:xfrm>
+          <a:prstGeom prst="arc">
+            <a:avLst>
+              <a:gd name="adj1" fmla="val 16200000"/>
+              <a:gd name="adj2" fmla="val 5668046"/>
+            </a:avLst>
+          </a:prstGeom>
+          <a:ln w="38100">
+            <a:solidFill>
+              <a:schemeClr val="tx1"/>
+            </a:solidFill>
+            <a:prstDash val="solid"/>
+            <a:headEnd type="none" w="med" len="med"/>
+            <a:tailEnd type="triangle" w="med" len="med"/>
+          </a:ln>
+        </p:spPr>
+        <p:style>
+          <a:lnRef idx="1">
+            <a:schemeClr val="accent1"/>
+          </a:lnRef>
+          <a:fillRef idx="0">
+            <a:schemeClr val="accent1"/>
+          </a:fillRef>
+          <a:effectRef idx="0">
+            <a:schemeClr val="accent1"/>
+          </a:effectRef>
+          <a:fontRef idx="minor">
+            <a:schemeClr val="tx1"/>
+          </a:fontRef>
+        </p:style>
+        <p:txBody>
+          <a:bodyPr rtlCol="0" anchor="ctr"/>
+          <a:lstStyle/>
+          <a:p>
+            <a:pPr algn="ctr"/>
+            <a:endParaRPr lang="zh-CN" altLang="en-US"/>
+          </a:p>
+        </p:txBody>
+      </p:sp>
+      <p:cxnSp>
+        <p:nvCxnSpPr>
+          <p:cNvPr id="61" name="直接箭头连接符 60"/>
+          <p:cNvCxnSpPr/>
+          <p:nvPr/>
+        </p:nvCxnSpPr>
+        <p:spPr>
+          <a:xfrm flipV="1">
+            <a:off x="6350013" y="5261722"/>
+            <a:ext cx="930226" cy="253241"/>
+          </a:xfrm>
+          <a:prstGeom prst="straightConnector1">
+            <a:avLst/>
+          </a:prstGeom>
+          <a:ln w="38100">
+            <a:tailEnd type="triangle"/>
+          </a:ln>
+        </p:spPr>
+        <p:style>
+          <a:lnRef idx="1">
+            <a:schemeClr val="dk1"/>
+          </a:lnRef>
+          <a:fillRef idx="0">
+            <a:schemeClr val="dk1"/>
+          </a:fillRef>
+          <a:effectRef idx="0">
+            <a:schemeClr val="dk1"/>
+          </a:effectRef>
+          <a:fontRef idx="minor">
+            <a:schemeClr val="tx1"/>
+          </a:fontRef>
+        </p:style>
+      </p:cxnSp>
+      <p:sp>
+        <p:nvSpPr>
+          <p:cNvPr id="68" name="矩形 67"/>
+          <p:cNvSpPr/>
+          <p:nvPr/>
+        </p:nvSpPr>
+        <p:spPr>
+          <a:xfrm>
+            <a:off x="7398591" y="4814797"/>
+            <a:ext cx="1390724" cy="578937"/>
+          </a:xfrm>
+          <a:prstGeom prst="rect">
+            <a:avLst/>
+          </a:prstGeom>
+          <a:noFill/>
+          <a:ln w="19050">
+            <a:solidFill>
+              <a:schemeClr val="tx1"/>
+            </a:solidFill>
+          </a:ln>
+        </p:spPr>
+        <p:style>
+          <a:lnRef idx="2">
+            <a:schemeClr val="accent1">
+              <a:shade val="50000"/>
+            </a:schemeClr>
+          </a:lnRef>
+          <a:fillRef idx="1">
+            <a:schemeClr val="accent1"/>
+          </a:fillRef>
+          <a:effectRef idx="0">
+            <a:schemeClr val="accent1"/>
+          </a:effectRef>
+          <a:fontRef idx="minor">
+            <a:schemeClr val="lt1"/>
+          </a:fontRef>
+        </p:style>
+        <p:txBody>
+          <a:bodyPr rtlCol="0" anchor="ctr"/>
+          <a:lstStyle/>
+          <a:p>
+            <a:pPr algn="ctr"/>
+            <a:r>
+              <a:rPr lang="en-US" altLang="zh-CN" sz="1500" dirty="0" smtClean="0">
+                <a:solidFill>
+                  <a:schemeClr val="tx1"/>
+                </a:solidFill>
+              </a:rPr>
+              <a:t>Venue </a:t>
+            </a:r>
+            <a:r>
+              <a:rPr lang="en-US" altLang="zh-CN" sz="1500" dirty="0" smtClean="0">
+                <a:solidFill>
+                  <a:schemeClr val="tx1"/>
+                </a:solidFill>
+              </a:rPr>
+              <a:t>Score</a:t>
+            </a:r>
+            <a:endParaRPr lang="zh-CN" altLang="en-US" sz="1500" dirty="0">
+              <a:solidFill>
+                <a:schemeClr val="tx1"/>
+              </a:solidFill>
+            </a:endParaRPr>
+          </a:p>
+        </p:txBody>
+      </p:sp>
+      <p:sp>
+        <p:nvSpPr>
+          <p:cNvPr id="70" name="矩形 69"/>
+          <p:cNvSpPr/>
+          <p:nvPr/>
+        </p:nvSpPr>
+        <p:spPr>
+          <a:xfrm>
+            <a:off x="7398591" y="3554335"/>
+            <a:ext cx="1390724" cy="578937"/>
+          </a:xfrm>
+          <a:prstGeom prst="rect">
+            <a:avLst/>
+          </a:prstGeom>
+          <a:noFill/>
+          <a:ln w="19050">
+            <a:solidFill>
+              <a:schemeClr val="tx1"/>
+            </a:solidFill>
+          </a:ln>
+        </p:spPr>
+        <p:style>
+          <a:lnRef idx="2">
+            <a:schemeClr val="accent1">
+              <a:shade val="50000"/>
+            </a:schemeClr>
+          </a:lnRef>
+          <a:fillRef idx="1">
+            <a:schemeClr val="accent1"/>
+          </a:fillRef>
+          <a:effectRef idx="0">
+            <a:schemeClr val="accent1"/>
+          </a:effectRef>
+          <a:fontRef idx="minor">
+            <a:schemeClr val="lt1"/>
+          </a:fontRef>
+        </p:style>
+        <p:txBody>
+          <a:bodyPr rtlCol="0" anchor="ctr"/>
+          <a:lstStyle/>
+          <a:p>
+            <a:pPr algn="ctr"/>
+            <a:r>
+              <a:rPr lang="en-US" altLang="zh-CN" sz="1500" dirty="0" smtClean="0">
+                <a:solidFill>
+                  <a:schemeClr val="tx1"/>
+                </a:solidFill>
+              </a:rPr>
+              <a:t>Author Score</a:t>
+            </a:r>
+            <a:endParaRPr lang="zh-CN" altLang="en-US" sz="1500" dirty="0">
+              <a:solidFill>
+                <a:schemeClr val="tx1"/>
+              </a:solidFill>
+            </a:endParaRPr>
+          </a:p>
+        </p:txBody>
+      </p:sp>
+      <p:sp>
+        <p:nvSpPr>
+          <p:cNvPr id="71" name="矩形 70"/>
+          <p:cNvSpPr/>
+          <p:nvPr/>
+        </p:nvSpPr>
+        <p:spPr>
+          <a:xfrm>
+            <a:off x="7401613" y="2141960"/>
+            <a:ext cx="1390724" cy="578937"/>
+          </a:xfrm>
+          <a:prstGeom prst="rect">
+            <a:avLst/>
+          </a:prstGeom>
+          <a:noFill/>
+          <a:ln w="19050">
+            <a:solidFill>
+              <a:schemeClr val="tx1"/>
+            </a:solidFill>
+          </a:ln>
+        </p:spPr>
+        <p:style>
+          <a:lnRef idx="2">
+            <a:schemeClr val="accent1">
+              <a:shade val="50000"/>
+            </a:schemeClr>
+          </a:lnRef>
+          <a:fillRef idx="1">
+            <a:schemeClr val="accent1"/>
+          </a:fillRef>
+          <a:effectRef idx="0">
+            <a:schemeClr val="accent1"/>
+          </a:effectRef>
+          <a:fontRef idx="minor">
+            <a:schemeClr val="lt1"/>
+          </a:fontRef>
+        </p:style>
+        <p:txBody>
+          <a:bodyPr rtlCol="0" anchor="ctr"/>
+          <a:lstStyle/>
+          <a:p>
+            <a:pPr algn="ctr"/>
+            <a:r>
+              <a:rPr lang="en-US" altLang="zh-CN" sz="1500" dirty="0" smtClean="0">
+                <a:solidFill>
+                  <a:schemeClr val="tx1"/>
+                </a:solidFill>
+              </a:rPr>
+              <a:t>Paper Score</a:t>
+            </a:r>
+            <a:endParaRPr lang="zh-CN" altLang="en-US" sz="1500" dirty="0">
+              <a:solidFill>
+                <a:schemeClr val="tx1"/>
+              </a:solidFill>
+            </a:endParaRPr>
+          </a:p>
+        </p:txBody>
+      </p:sp>
+      <p:sp>
+        <p:nvSpPr>
+          <p:cNvPr id="72" name="矩形 71"/>
+          <p:cNvSpPr/>
+          <p:nvPr/>
+        </p:nvSpPr>
+        <p:spPr>
+          <a:xfrm>
+            <a:off x="4469211" y="3438583"/>
+            <a:ext cx="1705999" cy="930719"/>
+          </a:xfrm>
+          <a:prstGeom prst="rect">
+            <a:avLst/>
+          </a:prstGeom>
+          <a:noFill/>
+          <a:ln w="19050">
+            <a:solidFill>
+              <a:schemeClr val="tx1"/>
+            </a:solidFill>
+          </a:ln>
+        </p:spPr>
+        <p:style>
+          <a:lnRef idx="2">
+            <a:schemeClr val="accent1">
+              <a:shade val="50000"/>
+            </a:schemeClr>
+          </a:lnRef>
+          <a:fillRef idx="1">
+            <a:schemeClr val="accent1"/>
+          </a:fillRef>
+          <a:effectRef idx="0">
+            <a:schemeClr val="accent1"/>
+          </a:effectRef>
+          <a:fontRef idx="minor">
+            <a:schemeClr val="lt1"/>
+          </a:fontRef>
+        </p:style>
+        <p:txBody>
+          <a:bodyPr rtlCol="0" anchor="ctr"/>
+          <a:lstStyle/>
+          <a:p>
+            <a:pPr algn="ctr"/>
+            <a:r>
+              <a:rPr lang="en-US" altLang="zh-CN" sz="1500" dirty="0" smtClean="0">
+                <a:solidFill>
+                  <a:schemeClr val="tx1"/>
+                </a:solidFill>
+              </a:rPr>
+              <a:t>Affiliation, </a:t>
+            </a:r>
+          </a:p>
+          <a:p>
+            <a:pPr algn="ctr"/>
+            <a:r>
+              <a:rPr lang="en-US" altLang="zh-CN" sz="1500" dirty="0" smtClean="0">
+                <a:solidFill>
+                  <a:schemeClr val="tx1"/>
+                </a:solidFill>
+              </a:rPr>
+              <a:t>Position, h-index, </a:t>
+            </a:r>
+          </a:p>
+          <a:p>
+            <a:pPr algn="ctr"/>
+            <a:r>
+              <a:rPr lang="en-US" altLang="zh-CN" sz="1500" dirty="0" smtClean="0">
+                <a:solidFill>
+                  <a:schemeClr val="tx1"/>
+                </a:solidFill>
+              </a:rPr>
+              <a:t>publication count,</a:t>
+            </a:r>
+          </a:p>
+          <a:p>
+            <a:pPr algn="ctr"/>
+            <a:r>
+              <a:rPr lang="en-US" altLang="zh-CN" sz="1500" dirty="0">
+                <a:solidFill>
+                  <a:schemeClr val="tx1"/>
+                </a:solidFill>
+              </a:rPr>
+              <a:t>Citation count</a:t>
+            </a:r>
+            <a:r>
+              <a:rPr lang="en-US" altLang="zh-CN" sz="1500" dirty="0" smtClean="0">
+                <a:solidFill>
+                  <a:schemeClr val="tx1"/>
+                </a:solidFill>
+              </a:rPr>
+              <a:t>,</a:t>
+            </a:r>
+            <a:r>
+              <a:rPr lang="en-US" altLang="zh-CN" sz="1500" dirty="0" smtClean="0">
+                <a:solidFill>
+                  <a:schemeClr val="tx1"/>
+                </a:solidFill>
+              </a:rPr>
+              <a:t> </a:t>
+            </a:r>
+            <a:endParaRPr lang="zh-CN" altLang="en-US" sz="1500" dirty="0">
+              <a:solidFill>
+                <a:schemeClr val="tx1"/>
+              </a:solidFill>
+            </a:endParaRPr>
+          </a:p>
+        </p:txBody>
+      </p:sp>
+      <p:sp>
+        <p:nvSpPr>
+          <p:cNvPr id="73" name="文本框 72"/>
+          <p:cNvSpPr txBox="1"/>
+          <p:nvPr/>
+        </p:nvSpPr>
+        <p:spPr>
+          <a:xfrm>
+            <a:off x="4235421" y="244585"/>
+            <a:ext cx="2377574" cy="369332"/>
+          </a:xfrm>
+          <a:prstGeom prst="rect">
+            <a:avLst/>
+          </a:prstGeom>
+          <a:noFill/>
+        </p:spPr>
+        <p:txBody>
+          <a:bodyPr wrap="none" rtlCol="0">
+            <a:spAutoFit/>
+          </a:bodyPr>
+          <a:lstStyle/>
+          <a:p>
+            <a:r>
+              <a:rPr lang="en-US" altLang="zh-CN" dirty="0"/>
+              <a:t>Information Extraction</a:t>
+            </a:r>
+            <a:endParaRPr lang="zh-CN" altLang="en-US" dirty="0"/>
+          </a:p>
+        </p:txBody>
+      </p:sp>
+      <p:sp>
+        <p:nvSpPr>
+          <p:cNvPr id="74" name="文本框 73"/>
+          <p:cNvSpPr txBox="1"/>
+          <p:nvPr/>
+        </p:nvSpPr>
+        <p:spPr>
+          <a:xfrm>
+            <a:off x="7148020" y="253196"/>
+            <a:ext cx="1891865" cy="369332"/>
+          </a:xfrm>
+          <a:prstGeom prst="rect">
+            <a:avLst/>
+          </a:prstGeom>
+          <a:noFill/>
+        </p:spPr>
+        <p:txBody>
+          <a:bodyPr wrap="none" rtlCol="0">
+            <a:spAutoFit/>
+          </a:bodyPr>
+          <a:lstStyle/>
+          <a:p>
+            <a:r>
+              <a:rPr lang="en-US" altLang="zh-CN" dirty="0" smtClean="0"/>
+              <a:t>Score Calculation</a:t>
+            </a:r>
+            <a:endParaRPr lang="zh-CN" altLang="en-US" dirty="0"/>
+          </a:p>
+        </p:txBody>
+      </p:sp>
+      <p:sp>
+        <p:nvSpPr>
+          <p:cNvPr id="75" name="文本框 74"/>
+          <p:cNvSpPr txBox="1"/>
+          <p:nvPr/>
+        </p:nvSpPr>
+        <p:spPr>
+          <a:xfrm>
+            <a:off x="9592887" y="287765"/>
+            <a:ext cx="1502334" cy="369332"/>
+          </a:xfrm>
+          <a:prstGeom prst="rect">
+            <a:avLst/>
+          </a:prstGeom>
+          <a:noFill/>
+        </p:spPr>
+        <p:txBody>
+          <a:bodyPr wrap="none" rtlCol="0">
+            <a:spAutoFit/>
+          </a:bodyPr>
+          <a:lstStyle/>
+          <a:p>
+            <a:r>
+              <a:rPr lang="en-US" altLang="zh-CN" dirty="0" smtClean="0"/>
+              <a:t>Area Ranking</a:t>
+            </a:r>
+            <a:endParaRPr lang="zh-CN" altLang="en-US" dirty="0"/>
+          </a:p>
+        </p:txBody>
+      </p:sp>
+      <p:sp>
+        <p:nvSpPr>
+          <p:cNvPr id="76" name="矩形 75"/>
+          <p:cNvSpPr/>
+          <p:nvPr/>
+        </p:nvSpPr>
+        <p:spPr>
+          <a:xfrm>
+            <a:off x="4469211" y="1455190"/>
+            <a:ext cx="1703091" cy="537107"/>
+          </a:xfrm>
+          <a:prstGeom prst="rect">
+            <a:avLst/>
+          </a:prstGeom>
+          <a:noFill/>
+          <a:ln w="19050">
+            <a:solidFill>
+              <a:schemeClr val="tx1"/>
+            </a:solidFill>
+          </a:ln>
+        </p:spPr>
+        <p:style>
+          <a:lnRef idx="2">
+            <a:schemeClr val="accent1">
+              <a:shade val="50000"/>
+            </a:schemeClr>
+          </a:lnRef>
+          <a:fillRef idx="1">
+            <a:schemeClr val="accent1"/>
+          </a:fillRef>
+          <a:effectRef idx="0">
+            <a:schemeClr val="accent1"/>
+          </a:effectRef>
+          <a:fontRef idx="minor">
+            <a:schemeClr val="lt1"/>
+          </a:fontRef>
+        </p:style>
+        <p:txBody>
+          <a:bodyPr rtlCol="0" anchor="ctr"/>
+          <a:lstStyle/>
+          <a:p>
+            <a:pPr algn="ctr"/>
+            <a:r>
+              <a:rPr lang="en-US" altLang="zh-CN" sz="1500" dirty="0" smtClean="0">
+                <a:solidFill>
+                  <a:schemeClr val="tx1"/>
+                </a:solidFill>
+              </a:rPr>
+              <a:t>Title, Author, Year</a:t>
+            </a:r>
+            <a:endParaRPr lang="zh-CN" altLang="en-US" sz="1500" dirty="0">
+              <a:solidFill>
+                <a:schemeClr val="tx1"/>
+              </a:solidFill>
+            </a:endParaRPr>
+          </a:p>
+        </p:txBody>
+      </p:sp>
+      <p:cxnSp>
+        <p:nvCxnSpPr>
+          <p:cNvPr id="82" name="直接箭头连接符 81"/>
+          <p:cNvCxnSpPr/>
+          <p:nvPr/>
+        </p:nvCxnSpPr>
+        <p:spPr>
+          <a:xfrm>
+            <a:off x="6302300" y="3906832"/>
+            <a:ext cx="1005526" cy="9194"/>
+          </a:xfrm>
+          <a:prstGeom prst="straightConnector1">
+            <a:avLst/>
+          </a:prstGeom>
+          <a:ln w="38100">
+            <a:tailEnd type="triangle"/>
+          </a:ln>
+        </p:spPr>
+        <p:style>
+          <a:lnRef idx="1">
+            <a:schemeClr val="dk1"/>
+          </a:lnRef>
+          <a:fillRef idx="0">
+            <a:schemeClr val="dk1"/>
+          </a:fillRef>
+          <a:effectRef idx="0">
+            <a:schemeClr val="dk1"/>
+          </a:effectRef>
+          <a:fontRef idx="minor">
+            <a:schemeClr val="tx1"/>
+          </a:fontRef>
+        </p:style>
+      </p:cxnSp>
+      <p:cxnSp>
+        <p:nvCxnSpPr>
+          <p:cNvPr id="88" name="直接箭头连接符 87"/>
+          <p:cNvCxnSpPr/>
+          <p:nvPr/>
+        </p:nvCxnSpPr>
+        <p:spPr>
+          <a:xfrm>
+            <a:off x="1784545" y="2275282"/>
+            <a:ext cx="643043" cy="166858"/>
+          </a:xfrm>
+          <a:prstGeom prst="straightConnector1">
+            <a:avLst/>
+          </a:prstGeom>
+          <a:ln w="44450">
+            <a:solidFill>
+              <a:schemeClr val="dk1"/>
+            </a:solidFill>
+            <a:headEnd type="none" w="med" len="med"/>
+            <a:tailEnd type="arrow" w="med" len="med"/>
+          </a:ln>
+        </p:spPr>
+        <p:style>
+          <a:lnRef idx="1">
+            <a:schemeClr val="dk1"/>
+          </a:lnRef>
+          <a:fillRef idx="0">
+            <a:schemeClr val="dk1"/>
+          </a:fillRef>
+          <a:effectRef idx="0">
+            <a:schemeClr val="dk1"/>
+          </a:effectRef>
+          <a:fontRef idx="minor">
+            <a:schemeClr val="tx1"/>
+          </a:fontRef>
+        </p:style>
+      </p:cxnSp>
+      <p:cxnSp>
+        <p:nvCxnSpPr>
+          <p:cNvPr id="89" name="直接箭头连接符 88"/>
+          <p:cNvCxnSpPr/>
+          <p:nvPr/>
+        </p:nvCxnSpPr>
+        <p:spPr>
+          <a:xfrm flipV="1">
+            <a:off x="1804016" y="1790765"/>
+            <a:ext cx="600575" cy="217912"/>
+          </a:xfrm>
+          <a:prstGeom prst="straightConnector1">
+            <a:avLst/>
+          </a:prstGeom>
+          <a:ln w="44450">
+            <a:headEnd type="none" w="med" len="med"/>
+            <a:tailEnd type="arrow" w="med" len="med"/>
+          </a:ln>
+        </p:spPr>
+        <p:style>
+          <a:lnRef idx="1">
+            <a:schemeClr val="dk1"/>
+          </a:lnRef>
+          <a:fillRef idx="0">
+            <a:schemeClr val="dk1"/>
+          </a:fillRef>
+          <a:effectRef idx="0">
+            <a:schemeClr val="dk1"/>
+          </a:effectRef>
+          <a:fontRef idx="minor">
+            <a:schemeClr val="tx1"/>
+          </a:fontRef>
+        </p:style>
+      </p:cxnSp>
+      <p:sp>
+        <p:nvSpPr>
+          <p:cNvPr id="90" name="矩形 89"/>
+          <p:cNvSpPr/>
+          <p:nvPr/>
+        </p:nvSpPr>
+        <p:spPr>
+          <a:xfrm>
+            <a:off x="4469211" y="2145239"/>
+            <a:ext cx="1703091" cy="537107"/>
+          </a:xfrm>
+          <a:prstGeom prst="rect">
+            <a:avLst/>
+          </a:prstGeom>
+          <a:noFill/>
+          <a:ln w="19050">
+            <a:solidFill>
+              <a:schemeClr val="tx1"/>
+            </a:solidFill>
+          </a:ln>
+        </p:spPr>
+        <p:style>
+          <a:lnRef idx="2">
+            <a:schemeClr val="accent1">
+              <a:shade val="50000"/>
+            </a:schemeClr>
+          </a:lnRef>
+          <a:fillRef idx="1">
+            <a:schemeClr val="accent1"/>
+          </a:fillRef>
+          <a:effectRef idx="0">
+            <a:schemeClr val="accent1"/>
+          </a:effectRef>
+          <a:fontRef idx="minor">
+            <a:schemeClr val="lt1"/>
+          </a:fontRef>
+        </p:style>
+        <p:txBody>
+          <a:bodyPr rtlCol="0" anchor="ctr"/>
+          <a:lstStyle/>
+          <a:p>
+            <a:pPr algn="ctr"/>
+            <a:r>
+              <a:rPr lang="en-US" altLang="zh-CN" sz="1500" dirty="0" smtClean="0">
+                <a:solidFill>
+                  <a:schemeClr val="tx1"/>
+                </a:solidFill>
+              </a:rPr>
+              <a:t>Category </a:t>
+            </a:r>
+            <a:r>
+              <a:rPr lang="en-US" altLang="zh-CN" sz="1500" dirty="0" err="1" smtClean="0">
+                <a:solidFill>
+                  <a:schemeClr val="tx1"/>
+                </a:solidFill>
+              </a:rPr>
+              <a:t>Infomation</a:t>
+            </a:r>
+            <a:endParaRPr lang="zh-CN" altLang="en-US" sz="1500" dirty="0">
+              <a:solidFill>
+                <a:schemeClr val="tx1"/>
+              </a:solidFill>
+            </a:endParaRPr>
+          </a:p>
+        </p:txBody>
+      </p:sp>
+      <p:cxnSp>
+        <p:nvCxnSpPr>
+          <p:cNvPr id="96" name="直接连接符 95"/>
+          <p:cNvCxnSpPr/>
+          <p:nvPr/>
+        </p:nvCxnSpPr>
+        <p:spPr>
+          <a:xfrm flipH="1">
+            <a:off x="6867985" y="660251"/>
+            <a:ext cx="12634" cy="5090553"/>
+          </a:xfrm>
+          <a:prstGeom prst="line">
+            <a:avLst/>
+          </a:prstGeom>
+          <a:ln w="25400">
+            <a:solidFill>
+              <a:schemeClr val="tx1"/>
+            </a:solidFill>
+            <a:prstDash val="sysDot"/>
+          </a:ln>
+        </p:spPr>
+        <p:style>
+          <a:lnRef idx="1">
+            <a:schemeClr val="accent1"/>
+          </a:lnRef>
+          <a:fillRef idx="0">
+            <a:schemeClr val="accent1"/>
+          </a:fillRef>
+          <a:effectRef idx="0">
+            <a:schemeClr val="accent1"/>
+          </a:effectRef>
+          <a:fontRef idx="minor">
+            <a:schemeClr val="tx1"/>
+          </a:fontRef>
+        </p:style>
+      </p:cxnSp>
+      <p:cxnSp>
+        <p:nvCxnSpPr>
+          <p:cNvPr id="104" name="直接箭头连接符 103"/>
+          <p:cNvCxnSpPr/>
+          <p:nvPr/>
+        </p:nvCxnSpPr>
+        <p:spPr>
+          <a:xfrm>
+            <a:off x="6302300" y="2429138"/>
+            <a:ext cx="1005526" cy="9194"/>
+          </a:xfrm>
+          <a:prstGeom prst="straightConnector1">
+            <a:avLst/>
+          </a:prstGeom>
+          <a:ln w="38100">
+            <a:tailEnd type="triangle"/>
+          </a:ln>
+        </p:spPr>
+        <p:style>
+          <a:lnRef idx="1">
+            <a:schemeClr val="dk1"/>
+          </a:lnRef>
+          <a:fillRef idx="0">
+            <a:schemeClr val="dk1"/>
+          </a:fillRef>
+          <a:effectRef idx="0">
+            <a:schemeClr val="dk1"/>
+          </a:effectRef>
+          <a:fontRef idx="minor">
+            <a:schemeClr val="tx1"/>
+          </a:fontRef>
+        </p:style>
+      </p:cxnSp>
+      <p:cxnSp>
+        <p:nvCxnSpPr>
+          <p:cNvPr id="105" name="直接箭头连接符 104"/>
+          <p:cNvCxnSpPr/>
+          <p:nvPr/>
+        </p:nvCxnSpPr>
+        <p:spPr>
+          <a:xfrm>
+            <a:off x="6302300" y="1729951"/>
+            <a:ext cx="977939" cy="469430"/>
+          </a:xfrm>
+          <a:prstGeom prst="straightConnector1">
+            <a:avLst/>
+          </a:prstGeom>
+          <a:ln w="38100">
+            <a:tailEnd type="triangle"/>
+          </a:ln>
+        </p:spPr>
+        <p:style>
+          <a:lnRef idx="1">
+            <a:schemeClr val="dk1"/>
+          </a:lnRef>
+          <a:fillRef idx="0">
+            <a:schemeClr val="dk1"/>
+          </a:fillRef>
+          <a:effectRef idx="0">
+            <a:schemeClr val="dk1"/>
+          </a:effectRef>
+          <a:fontRef idx="minor">
+            <a:schemeClr val="tx1"/>
+          </a:fontRef>
+        </p:style>
+      </p:cxnSp>
+      <p:cxnSp>
+        <p:nvCxnSpPr>
+          <p:cNvPr id="107" name="直接箭头连接符 106"/>
+          <p:cNvCxnSpPr/>
+          <p:nvPr/>
+        </p:nvCxnSpPr>
+        <p:spPr>
+          <a:xfrm flipV="1">
+            <a:off x="6302300" y="2640058"/>
+            <a:ext cx="977939" cy="429646"/>
+          </a:xfrm>
+          <a:prstGeom prst="straightConnector1">
+            <a:avLst/>
+          </a:prstGeom>
+          <a:ln w="38100">
+            <a:tailEnd type="triangle"/>
+          </a:ln>
+        </p:spPr>
+        <p:style>
+          <a:lnRef idx="1">
+            <a:schemeClr val="dk1"/>
+          </a:lnRef>
+          <a:fillRef idx="0">
+            <a:schemeClr val="dk1"/>
+          </a:fillRef>
+          <a:effectRef idx="0">
+            <a:schemeClr val="dk1"/>
+          </a:effectRef>
+          <a:fontRef idx="minor">
+            <a:schemeClr val="tx1"/>
+          </a:fontRef>
+        </p:style>
+      </p:cxnSp>
+      <p:sp>
+        <p:nvSpPr>
+          <p:cNvPr id="67" name="矩形 66"/>
+          <p:cNvSpPr/>
+          <p:nvPr/>
+        </p:nvSpPr>
+        <p:spPr>
+          <a:xfrm>
+            <a:off x="9716049" y="3498475"/>
+            <a:ext cx="1568831" cy="578937"/>
+          </a:xfrm>
+          <a:prstGeom prst="rect">
+            <a:avLst/>
+          </a:prstGeom>
+          <a:noFill/>
+          <a:ln w="19050">
+            <a:solidFill>
+              <a:schemeClr val="tx1"/>
+            </a:solidFill>
+          </a:ln>
+        </p:spPr>
+        <p:style>
+          <a:lnRef idx="2">
+            <a:schemeClr val="accent1">
+              <a:shade val="50000"/>
+            </a:schemeClr>
+          </a:lnRef>
+          <a:fillRef idx="1">
+            <a:schemeClr val="accent1"/>
+          </a:fillRef>
+          <a:effectRef idx="0">
+            <a:schemeClr val="accent1"/>
+          </a:effectRef>
+          <a:fontRef idx="minor">
+            <a:schemeClr val="lt1"/>
+          </a:fontRef>
+        </p:style>
+        <p:txBody>
+          <a:bodyPr rtlCol="0" anchor="ctr"/>
+          <a:lstStyle/>
+          <a:p>
+            <a:pPr algn="ctr"/>
+            <a:r>
+              <a:rPr lang="en-US" altLang="zh-CN" sz="1500" dirty="0" smtClean="0">
+                <a:solidFill>
+                  <a:schemeClr val="tx1"/>
+                </a:solidFill>
+              </a:rPr>
+              <a:t>Area Score</a:t>
+            </a:r>
+            <a:endParaRPr lang="zh-CN" altLang="en-US" sz="1500" dirty="0">
+              <a:solidFill>
+                <a:schemeClr val="tx1"/>
+              </a:solidFill>
+            </a:endParaRPr>
+          </a:p>
+        </p:txBody>
+      </p:sp>
+      <p:cxnSp>
+        <p:nvCxnSpPr>
+          <p:cNvPr id="77" name="直接连接符 76"/>
+          <p:cNvCxnSpPr/>
+          <p:nvPr/>
+        </p:nvCxnSpPr>
+        <p:spPr>
+          <a:xfrm flipH="1">
+            <a:off x="9146809" y="690641"/>
+            <a:ext cx="12634" cy="5090553"/>
+          </a:xfrm>
+          <a:prstGeom prst="line">
+            <a:avLst/>
+          </a:prstGeom>
+          <a:ln w="25400">
+            <a:solidFill>
+              <a:schemeClr val="tx1"/>
+            </a:solidFill>
+            <a:prstDash val="sysDot"/>
+          </a:ln>
+        </p:spPr>
+        <p:style>
+          <a:lnRef idx="1">
+            <a:schemeClr val="accent1"/>
+          </a:lnRef>
+          <a:fillRef idx="0">
+            <a:schemeClr val="accent1"/>
+          </a:fillRef>
+          <a:effectRef idx="0">
+            <a:schemeClr val="accent1"/>
+          </a:effectRef>
+          <a:fontRef idx="minor">
+            <a:schemeClr val="tx1"/>
+          </a:fontRef>
+        </p:style>
+      </p:cxnSp>
+      <p:cxnSp>
+        <p:nvCxnSpPr>
+          <p:cNvPr id="78" name="直接箭头连接符 77"/>
+          <p:cNvCxnSpPr/>
+          <p:nvPr/>
+        </p:nvCxnSpPr>
+        <p:spPr>
+          <a:xfrm>
+            <a:off x="8874724" y="3838318"/>
+            <a:ext cx="718163" cy="2162"/>
+          </a:xfrm>
+          <a:prstGeom prst="straightConnector1">
+            <a:avLst/>
+          </a:prstGeom>
+          <a:ln w="73025" cmpd="dbl">
+            <a:tailEnd type="triangle"/>
+          </a:ln>
+        </p:spPr>
+        <p:style>
+          <a:lnRef idx="1">
+            <a:schemeClr val="dk1"/>
+          </a:lnRef>
+          <a:fillRef idx="0">
+            <a:schemeClr val="dk1"/>
+          </a:fillRef>
+          <a:effectRef idx="0">
+            <a:schemeClr val="dk1"/>
+          </a:effectRef>
+          <a:fontRef idx="minor">
+            <a:schemeClr val="tx1"/>
+          </a:fontRef>
+        </p:style>
+      </p:cxnSp>
+      <p:cxnSp>
+        <p:nvCxnSpPr>
+          <p:cNvPr id="79" name="直接箭头连接符 78"/>
+          <p:cNvCxnSpPr/>
+          <p:nvPr/>
+        </p:nvCxnSpPr>
+        <p:spPr>
+          <a:xfrm>
+            <a:off x="8874724" y="2442617"/>
+            <a:ext cx="618411" cy="995966"/>
+          </a:xfrm>
+          <a:prstGeom prst="straightConnector1">
+            <a:avLst/>
+          </a:prstGeom>
+          <a:ln w="73025" cmpd="dbl">
+            <a:tailEnd type="triangle"/>
+          </a:ln>
+        </p:spPr>
+        <p:style>
+          <a:lnRef idx="1">
+            <a:schemeClr val="dk1"/>
+          </a:lnRef>
+          <a:fillRef idx="0">
+            <a:schemeClr val="dk1"/>
+          </a:fillRef>
+          <a:effectRef idx="0">
+            <a:schemeClr val="dk1"/>
+          </a:effectRef>
+          <a:fontRef idx="minor">
+            <a:schemeClr val="tx1"/>
+          </a:fontRef>
+        </p:style>
+      </p:cxnSp>
+      <p:cxnSp>
+        <p:nvCxnSpPr>
+          <p:cNvPr id="80" name="直接箭头连接符 79"/>
+          <p:cNvCxnSpPr/>
+          <p:nvPr/>
+        </p:nvCxnSpPr>
+        <p:spPr>
+          <a:xfrm flipV="1">
+            <a:off x="8914201" y="4133272"/>
+            <a:ext cx="678686" cy="1014624"/>
+          </a:xfrm>
+          <a:prstGeom prst="straightConnector1">
+            <a:avLst/>
+          </a:prstGeom>
+          <a:ln w="73025" cmpd="dbl">
+            <a:tailEnd type="triangle"/>
+          </a:ln>
+        </p:spPr>
+        <p:style>
+          <a:lnRef idx="1">
+            <a:schemeClr val="dk1"/>
+          </a:lnRef>
+          <a:fillRef idx="0">
+            <a:schemeClr val="dk1"/>
+          </a:fillRef>
+          <a:effectRef idx="0">
+            <a:schemeClr val="dk1"/>
+          </a:effectRef>
+          <a:fontRef idx="minor">
+            <a:schemeClr val="tx1"/>
+          </a:fontRef>
+        </p:style>
+      </p:cxnSp>
+    </p:spTree>
+    <p:extLst>
+      <p:ext uri="{BB962C8B-B14F-4D97-AF65-F5344CB8AC3E}">
+        <p14:creationId xmlns:p14="http://schemas.microsoft.com/office/powerpoint/2010/main" val="1516711062"/>
       </p:ext>
     </p:extLst>
   </p:cSld>
